--- a/docs/Number Verification Microservice.pptx
+++ b/docs/Number Verification Microservice.pptx
@@ -4868,7 +4868,7 @@
             <a:pPr rtl="0"/>
             <a:fld id="{EBE77BE8-C92C-4478-BEC0-BA685856F54D}" type="datetime1">
               <a:rPr lang="en-GB" smtClean="0"/>
-              <a:t>14/05/2025</a:t>
+              <a:t>15/05/2025</a:t>
             </a:fld>
             <a:endParaRPr lang="en-GB"/>
           </a:p>
@@ -5050,7 +5050,7 @@
             <a:pPr rtl="0"/>
             <a:fld id="{BF695629-D1D6-472E-AD8D-B841B09640C4}" type="datetime1">
               <a:rPr lang="en-GB" smtClean="0"/>
-              <a:t>14/05/2025</a:t>
+              <a:t>15/05/2025</a:t>
             </a:fld>
             <a:endParaRPr lang="en-GB"/>
           </a:p>
@@ -5418,7 +5418,7 @@
             <a:pPr rtl="0"/>
             <a:fld id="{1A5657D3-E8CC-402E-9DD0-BFC4FEBDA829}" type="datetime1">
               <a:rPr lang="en-GB" smtClean="0"/>
-              <a:t>14/05/2025</a:t>
+              <a:t>15/05/2025</a:t>
             </a:fld>
             <a:endParaRPr lang="en-GB"/>
           </a:p>
@@ -5604,7 +5604,7 @@
             <a:pPr rtl="0"/>
             <a:fld id="{B9FA1D35-9279-4503-AA65-44459462ED41}" type="datetime1">
               <a:rPr lang="en-GB" smtClean="0"/>
-              <a:t>14/05/2025</a:t>
+              <a:t>15/05/2025</a:t>
             </a:fld>
             <a:endParaRPr lang="en-GB"/>
           </a:p>
@@ -5776,7 +5776,7 @@
             <a:pPr rtl="0"/>
             <a:fld id="{B9FA1D35-9279-4503-AA65-44459462ED41}" type="datetime1">
               <a:rPr lang="en-GB" smtClean="0"/>
-              <a:t>14/05/2025</a:t>
+              <a:t>15/05/2025</a:t>
             </a:fld>
             <a:endParaRPr lang="en-GB"/>
           </a:p>
@@ -5955,7 +5955,7 @@
             <a:pPr rtl="0"/>
             <a:fld id="{B9FA1D35-9279-4503-AA65-44459462ED41}" type="datetime1">
               <a:rPr lang="en-GB" smtClean="0"/>
-              <a:t>14/05/2025</a:t>
+              <a:t>15/05/2025</a:t>
             </a:fld>
             <a:endParaRPr lang="en-GB"/>
           </a:p>
@@ -6127,7 +6127,7 @@
             <a:pPr rtl="0"/>
             <a:fld id="{B9FA1D35-9279-4503-AA65-44459462ED41}" type="datetime1">
               <a:rPr lang="en-GB" smtClean="0"/>
-              <a:t>14/05/2025</a:t>
+              <a:t>15/05/2025</a:t>
             </a:fld>
             <a:endParaRPr lang="en-GB"/>
           </a:p>
@@ -6292,7 +6292,7 @@
             <a:pPr rtl="0"/>
             <a:fld id="{8307B592-45D3-43FD-9CAB-CF71C4EA4E88}" type="datetime1">
               <a:rPr lang="en-GB" smtClean="0"/>
-              <a:t>14/05/2025</a:t>
+              <a:t>15/05/2025</a:t>
             </a:fld>
             <a:endParaRPr lang="en-GB"/>
           </a:p>
@@ -6477,7 +6477,7 @@
             <a:pPr rtl="0"/>
             <a:fld id="{B9FA1D35-9279-4503-AA65-44459462ED41}" type="datetime1">
               <a:rPr lang="en-GB" smtClean="0"/>
-              <a:t>14/05/2025</a:t>
+              <a:t>15/05/2025</a:t>
             </a:fld>
             <a:endParaRPr lang="en-GB"/>
           </a:p>
@@ -6677,7 +6677,7 @@
             <a:pPr rtl="0"/>
             <a:fld id="{B9FA1D35-9279-4503-AA65-44459462ED41}" type="datetime1">
               <a:rPr lang="en-GB" smtClean="0"/>
-              <a:t>14/05/2025</a:t>
+              <a:t>15/05/2025</a:t>
             </a:fld>
             <a:endParaRPr lang="en-GB"/>
           </a:p>
@@ -6842,7 +6842,7 @@
             <a:pPr rtl="0"/>
             <a:fld id="{8307B592-45D3-43FD-9CAB-CF71C4EA4E88}" type="datetime1">
               <a:rPr lang="en-GB" smtClean="0"/>
-              <a:t>14/05/2025</a:t>
+              <a:t>15/05/2025</a:t>
             </a:fld>
             <a:endParaRPr lang="en-GB"/>
           </a:p>
@@ -7030,7 +7030,7 @@
             <a:pPr rtl="0"/>
             <a:fld id="{B9FA1D35-9279-4503-AA65-44459462ED41}" type="datetime1">
               <a:rPr lang="en-GB" smtClean="0"/>
-              <a:t>14/05/2025</a:t>
+              <a:t>15/05/2025</a:t>
             </a:fld>
             <a:endParaRPr lang="en-GB"/>
           </a:p>
@@ -7202,7 +7202,7 @@
             <a:pPr rtl="0"/>
             <a:fld id="{B9FA1D35-9279-4503-AA65-44459462ED41}" type="datetime1">
               <a:rPr lang="en-GB" smtClean="0"/>
-              <a:t>14/05/2025</a:t>
+              <a:t>15/05/2025</a:t>
             </a:fld>
             <a:endParaRPr lang="en-GB"/>
           </a:p>
@@ -7287,7 +7287,7 @@
             <a:pPr rtl="0"/>
             <a:fld id="{BF695629-D1D6-472E-AD8D-B841B09640C4}" type="datetime1">
               <a:rPr lang="en-GB" smtClean="0"/>
-              <a:t>14/05/2025</a:t>
+              <a:t>15/05/2025</a:t>
             </a:fld>
             <a:endParaRPr lang="en-GB"/>
           </a:p>
@@ -7475,7 +7475,7 @@
             <a:pPr rtl="0"/>
             <a:fld id="{B9FA1D35-9279-4503-AA65-44459462ED41}" type="datetime1">
               <a:rPr lang="en-GB" smtClean="0"/>
-              <a:t>14/05/2025</a:t>
+              <a:t>15/05/2025</a:t>
             </a:fld>
             <a:endParaRPr lang="en-GB"/>
           </a:p>
@@ -7640,7 +7640,7 @@
             <a:pPr rtl="0"/>
             <a:fld id="{8307B592-45D3-43FD-9CAB-CF71C4EA4E88}" type="datetime1">
               <a:rPr lang="en-GB" smtClean="0"/>
-              <a:t>14/05/2025</a:t>
+              <a:t>15/05/2025</a:t>
             </a:fld>
             <a:endParaRPr lang="en-GB"/>
           </a:p>
@@ -7798,7 +7798,7 @@
             <a:pPr rtl="0"/>
             <a:fld id="{B9FA1D35-9279-4503-AA65-44459462ED41}" type="datetime1">
               <a:rPr lang="en-GB" smtClean="0"/>
-              <a:t>14/05/2025</a:t>
+              <a:t>15/05/2025</a:t>
             </a:fld>
             <a:endParaRPr lang="en-GB"/>
           </a:p>
@@ -7963,7 +7963,7 @@
             <a:pPr rtl="0"/>
             <a:fld id="{B9FA1D35-9279-4503-AA65-44459462ED41}" type="datetime1">
               <a:rPr lang="en-GB" smtClean="0"/>
-              <a:t>14/05/2025</a:t>
+              <a:t>15/05/2025</a:t>
             </a:fld>
             <a:endParaRPr lang="en-GB"/>
           </a:p>
@@ -8121,7 +8121,7 @@
             <a:pPr rtl="0"/>
             <a:fld id="{B9FA1D35-9279-4503-AA65-44459462ED41}" type="datetime1">
               <a:rPr lang="en-GB" smtClean="0"/>
-              <a:t>14/05/2025</a:t>
+              <a:t>15/05/2025</a:t>
             </a:fld>
             <a:endParaRPr lang="en-GB"/>
           </a:p>
@@ -8286,7 +8286,7 @@
             <a:pPr rtl="0"/>
             <a:fld id="{8307B592-45D3-43FD-9CAB-CF71C4EA4E88}" type="datetime1">
               <a:rPr lang="en-GB" smtClean="0"/>
-              <a:t>14/05/2025</a:t>
+              <a:t>15/05/2025</a:t>
             </a:fld>
             <a:endParaRPr lang="en-GB"/>
           </a:p>
@@ -8450,7 +8450,7 @@
             <a:pPr rtl="0"/>
             <a:fld id="{B9FA1D35-9279-4503-AA65-44459462ED41}" type="datetime1">
               <a:rPr lang="en-GB" smtClean="0"/>
-              <a:t>14/05/2025</a:t>
+              <a:t>15/05/2025</a:t>
             </a:fld>
             <a:endParaRPr lang="en-GB"/>
           </a:p>
@@ -8629,7 +8629,7 @@
             <a:pPr rtl="0"/>
             <a:fld id="{B9FA1D35-9279-4503-AA65-44459462ED41}" type="datetime1">
               <a:rPr lang="en-GB" smtClean="0"/>
-              <a:t>14/05/2025</a:t>
+              <a:t>15/05/2025</a:t>
             </a:fld>
             <a:endParaRPr lang="en-GB"/>
           </a:p>
@@ -8794,7 +8794,7 @@
             <a:pPr rtl="0"/>
             <a:fld id="{8307B592-45D3-43FD-9CAB-CF71C4EA4E88}" type="datetime1">
               <a:rPr lang="en-GB" smtClean="0"/>
-              <a:t>14/05/2025</a:t>
+              <a:t>15/05/2025</a:t>
             </a:fld>
             <a:endParaRPr lang="en-GB"/>
           </a:p>
@@ -8980,7 +8980,7 @@
             <a:pPr rtl="0"/>
             <a:fld id="{B9FA1D35-9279-4503-AA65-44459462ED41}" type="datetime1">
               <a:rPr lang="en-GB" smtClean="0"/>
-              <a:t>14/05/2025</a:t>
+              <a:t>15/05/2025</a:t>
             </a:fld>
             <a:endParaRPr lang="en-GB"/>
           </a:p>
@@ -9145,7 +9145,7 @@
             <a:pPr rtl="0"/>
             <a:fld id="{8307B592-45D3-43FD-9CAB-CF71C4EA4E88}" type="datetime1">
               <a:rPr lang="en-GB" smtClean="0"/>
-              <a:t>14/05/2025</a:t>
+              <a:t>15/05/2025</a:t>
             </a:fld>
             <a:endParaRPr lang="en-GB"/>
           </a:p>
@@ -9303,7 +9303,7 @@
             <a:pPr rtl="0"/>
             <a:fld id="{B9FA1D35-9279-4503-AA65-44459462ED41}" type="datetime1">
               <a:rPr lang="en-GB" smtClean="0"/>
-              <a:t>14/05/2025</a:t>
+              <a:t>15/05/2025</a:t>
             </a:fld>
             <a:endParaRPr lang="en-GB"/>
           </a:p>
@@ -9468,7 +9468,7 @@
             <a:pPr rtl="0"/>
             <a:fld id="{8307B592-45D3-43FD-9CAB-CF71C4EA4E88}" type="datetime1">
               <a:rPr lang="en-GB" smtClean="0"/>
-              <a:t>14/05/2025</a:t>
+              <a:t>15/05/2025</a:t>
             </a:fld>
             <a:endParaRPr lang="en-GB"/>
           </a:p>
@@ -9626,7 +9626,7 @@
             <a:pPr rtl="0"/>
             <a:fld id="{B9FA1D35-9279-4503-AA65-44459462ED41}" type="datetime1">
               <a:rPr lang="en-GB" smtClean="0"/>
-              <a:t>14/05/2025</a:t>
+              <a:t>15/05/2025</a:t>
             </a:fld>
             <a:endParaRPr lang="en-GB"/>
           </a:p>
@@ -9804,7 +9804,7 @@
             <a:pPr rtl="0"/>
             <a:fld id="{B9FA1D35-9279-4503-AA65-44459462ED41}" type="datetime1">
               <a:rPr lang="en-GB" smtClean="0"/>
-              <a:t>14/05/2025</a:t>
+              <a:t>15/05/2025</a:t>
             </a:fld>
             <a:endParaRPr lang="en-GB"/>
           </a:p>
@@ -9969,7 +9969,7 @@
             <a:pPr rtl="0"/>
             <a:fld id="{8307B592-45D3-43FD-9CAB-CF71C4EA4E88}" type="datetime1">
               <a:rPr lang="en-GB" smtClean="0"/>
-              <a:t>14/05/2025</a:t>
+              <a:t>15/05/2025</a:t>
             </a:fld>
             <a:endParaRPr lang="en-GB"/>
           </a:p>
@@ -10117,7 +10117,7 @@
             <a:pPr rtl="0"/>
             <a:fld id="{F72FF6D9-2AE2-456A-9FD7-EB8F37D4F5AE}" type="datetime1">
               <a:rPr lang="en-GB" smtClean="0"/>
-              <a:t>14/05/2025</a:t>
+              <a:t>15/05/2025</a:t>
             </a:fld>
             <a:endParaRPr lang="en-GB"/>
           </a:p>
@@ -10289,7 +10289,7 @@
             <a:pPr rtl="0"/>
             <a:fld id="{B9FA1D35-9279-4503-AA65-44459462ED41}" type="datetime1">
               <a:rPr lang="en-GB" smtClean="0"/>
-              <a:t>14/05/2025</a:t>
+              <a:t>15/05/2025</a:t>
             </a:fld>
             <a:endParaRPr lang="en-GB"/>
           </a:p>
@@ -10429,7 +10429,7 @@
             <a:pPr rtl="0"/>
             <a:fld id="{8307B592-45D3-43FD-9CAB-CF71C4EA4E88}" type="datetime1">
               <a:rPr lang="en-GB" smtClean="0"/>
-              <a:t>14/05/2025</a:t>
+              <a:t>15/05/2025</a:t>
             </a:fld>
             <a:endParaRPr lang="en-GB"/>
           </a:p>
@@ -10569,7 +10569,7 @@
             <a:pPr rtl="0"/>
             <a:fld id="{1A5657D3-E8CC-402E-9DD0-BFC4FEBDA829}" type="datetime1">
               <a:rPr lang="en-GB" smtClean="0"/>
-              <a:t>14/05/2025</a:t>
+              <a:t>15/05/2025</a:t>
             </a:fld>
             <a:endParaRPr lang="en-GB"/>
           </a:p>
@@ -10727,7 +10727,7 @@
             <a:pPr rtl="0"/>
             <a:fld id="{B9FA1D35-9279-4503-AA65-44459462ED41}" type="datetime1">
               <a:rPr lang="en-GB" smtClean="0"/>
-              <a:t>14/05/2025</a:t>
+              <a:t>15/05/2025</a:t>
             </a:fld>
             <a:endParaRPr lang="en-GB"/>
           </a:p>
@@ -10892,7 +10892,7 @@
             <a:pPr rtl="0"/>
             <a:fld id="{B9FA1D35-9279-4503-AA65-44459462ED41}" type="datetime1">
               <a:rPr lang="en-GB" smtClean="0"/>
-              <a:t>14/05/2025</a:t>
+              <a:t>15/05/2025</a:t>
             </a:fld>
             <a:endParaRPr lang="en-GB"/>
           </a:p>
@@ -11057,7 +11057,7 @@
             <a:pPr rtl="0"/>
             <a:fld id="{B9FA1D35-9279-4503-AA65-44459462ED41}" type="datetime1">
               <a:rPr lang="en-GB" smtClean="0"/>
-              <a:t>14/05/2025</a:t>
+              <a:t>15/05/2025</a:t>
             </a:fld>
             <a:endParaRPr lang="en-GB"/>
           </a:p>
@@ -11222,7 +11222,7 @@
             <a:pPr rtl="0"/>
             <a:fld id="{B9FA1D35-9279-4503-AA65-44459462ED41}" type="datetime1">
               <a:rPr lang="en-GB" smtClean="0"/>
-              <a:t>14/05/2025</a:t>
+              <a:t>15/05/2025</a:t>
             </a:fld>
             <a:endParaRPr lang="en-GB"/>
           </a:p>
@@ -11394,7 +11394,7 @@
             <a:pPr rtl="0"/>
             <a:fld id="{8307B592-45D3-43FD-9CAB-CF71C4EA4E88}" type="datetime1">
               <a:rPr lang="en-GB" smtClean="0"/>
-              <a:t>14/05/2025</a:t>
+              <a:t>15/05/2025</a:t>
             </a:fld>
             <a:endParaRPr lang="en-GB"/>
           </a:p>
@@ -11566,7 +11566,7 @@
             <a:pPr rtl="0"/>
             <a:fld id="{B9FA1D35-9279-4503-AA65-44459462ED41}" type="datetime1">
               <a:rPr lang="en-GB" smtClean="0"/>
-              <a:t>14/05/2025</a:t>
+              <a:t>15/05/2025</a:t>
             </a:fld>
             <a:endParaRPr lang="en-GB"/>
           </a:p>
@@ -24661,7 +24661,7 @@
                 </a:solidFill>
                 <a:latin typeface="Consolas" panose="020B0609020204030204" pitchFamily="49" charset="0"/>
               </a:rPr>
-              <a:t>correlationId</a:t>
+              <a:t>hashedPhoneNumber</a:t>
             </a:r>
             <a:r>
               <a:rPr lang="en-GB" sz="1800" dirty="0">
@@ -24767,7 +24767,7 @@
                 </a:solidFill>
                 <a:latin typeface="Consolas" panose="020B0609020204030204" pitchFamily="49" charset="0"/>
               </a:rPr>
-              <a:t>verificationId</a:t>
+              <a:t>devicePhoneNumberVerified</a:t>
             </a:r>
             <a:r>
               <a:rPr lang="en-GB" sz="1800" dirty="0">
@@ -24778,79 +24778,7 @@
                 </a:solidFill>
                 <a:latin typeface="Consolas" panose="020B0609020204030204" pitchFamily="49" charset="0"/>
               </a:rPr>
-              <a:t>": "ver-12345",</a:t>
-            </a:r>
-          </a:p>
-          <a:p>
-            <a:pPr marL="0" indent="0">
-              <a:lnSpc>
-                <a:spcPct val="100000"/>
-              </a:lnSpc>
-              <a:spcBef>
-                <a:spcPts val="0"/>
-              </a:spcBef>
-              <a:spcAft>
-                <a:spcPts val="0"/>
-              </a:spcAft>
-              <a:buNone/>
-            </a:pPr>
-            <a:r>
-              <a:rPr lang="en-GB" sz="1800" dirty="0">
-                <a:solidFill>
-                  <a:srgbClr val="00B050">
-                    <a:alpha val="60000"/>
-                  </a:srgbClr>
-                </a:solidFill>
-                <a:latin typeface="Consolas" panose="020B0609020204030204" pitchFamily="49" charset="0"/>
-              </a:rPr>
-              <a:t>  "status": "MATCH",</a:t>
-            </a:r>
-          </a:p>
-          <a:p>
-            <a:pPr marL="0" indent="0">
-              <a:lnSpc>
-                <a:spcPct val="100000"/>
-              </a:lnSpc>
-              <a:spcBef>
-                <a:spcPts val="0"/>
-              </a:spcBef>
-              <a:spcAft>
-                <a:spcPts val="0"/>
-              </a:spcAft>
-              <a:buNone/>
-            </a:pPr>
-            <a:r>
-              <a:rPr lang="en-GB" sz="1800" dirty="0">
-                <a:solidFill>
-                  <a:srgbClr val="00B050">
-                    <a:alpha val="60000"/>
-                  </a:srgbClr>
-                </a:solidFill>
-                <a:latin typeface="Consolas" panose="020B0609020204030204" pitchFamily="49" charset="0"/>
-              </a:rPr>
-              <a:t>  "</a:t>
-            </a:r>
-            <a:r>
-              <a:rPr lang="en-GB" sz="1800" dirty="0" err="1">
-                <a:solidFill>
-                  <a:srgbClr val="00B050">
-                    <a:alpha val="60000"/>
-                  </a:srgbClr>
-                </a:solidFill>
-                <a:latin typeface="Consolas" panose="020B0609020204030204" pitchFamily="49" charset="0"/>
-              </a:rPr>
-              <a:t>verificationTime</a:t>
-            </a:r>
-            <a:r>
-              <a:rPr lang="en-GB" sz="1800" dirty="0">
-                <a:solidFill>
-                  <a:srgbClr val="00B050">
-                    <a:alpha val="60000"/>
-                  </a:srgbClr>
-                </a:solidFill>
-                <a:latin typeface="Consolas" panose="020B0609020204030204" pitchFamily="49" charset="0"/>
-              </a:rPr>
-              <a:t>": "2025-05-15T08:10:56Z"</a:t>
+              <a:t>": true</a:t>
             </a:r>
           </a:p>
           <a:p>
@@ -25412,54 +25340,7 @@
                 </a:solidFill>
                 <a:latin typeface="Consolas" panose="020B0609020204030204" pitchFamily="49" charset="0"/>
               </a:rPr>
-              <a:t>": "+34698765432",</a:t>
-            </a:r>
-          </a:p>
-          <a:p>
-            <a:pPr marL="0" indent="0">
-              <a:lnSpc>
-                <a:spcPct val="100000"/>
-              </a:lnSpc>
-              <a:spcBef>
-                <a:spcPts val="0"/>
-              </a:spcBef>
-              <a:spcAft>
-                <a:spcPts val="0"/>
-              </a:spcAft>
-              <a:buNone/>
-            </a:pPr>
-            <a:r>
-              <a:rPr lang="en-US" sz="1800" dirty="0">
-                <a:solidFill>
-                  <a:srgbClr val="00B050">
-                    <a:alpha val="60000"/>
-                  </a:srgbClr>
-                </a:solidFill>
-                <a:latin typeface="Consolas" panose="020B0609020204030204" pitchFamily="49" charset="0"/>
-              </a:rPr>
-              <a:t>  "</a:t>
-            </a:r>
-            <a:r>
-              <a:rPr lang="en-US" sz="1800" dirty="0" err="1">
-                <a:solidFill>
-                  <a:srgbClr val="00B050">
-                    <a:alpha val="60000"/>
-                  </a:srgbClr>
-                </a:solidFill>
-                <a:latin typeface="Consolas" panose="020B0609020204030204" pitchFamily="49" charset="0"/>
-              </a:rPr>
-              <a:t>retrievalTime</a:t>
-            </a:r>
-            <a:r>
-              <a:rPr lang="en-US" sz="1800" dirty="0">
-                <a:solidFill>
-                  <a:srgbClr val="00B050">
-                    <a:alpha val="60000"/>
-                  </a:srgbClr>
-                </a:solidFill>
-                <a:latin typeface="Consolas" panose="020B0609020204030204" pitchFamily="49" charset="0"/>
-              </a:rPr>
-              <a:t>": "2023-06-30T12:34:56Z"</a:t>
+              <a:t>": "+34698765432“</a:t>
             </a:r>
           </a:p>
           <a:p>
@@ -32515,6 +32396,15 @@
 </file>
 
 <file path=customXml/item1.xml><?xml version="1.0" encoding="utf-8"?>
+<?mso-contentType ?>
+<FormTemplates xmlns="http://schemas.microsoft.com/sharepoint/v3/contenttype/forms">
+  <Display>DocumentLibraryForm</Display>
+  <Edit>DocumentLibraryForm</Edit>
+  <New>DocumentLibraryForm</New>
+</FormTemplates>
+</file>
+
+<file path=customXml/item2.xml><?xml version="1.0" encoding="utf-8"?>
 <ct:contentTypeSchema xmlns:ct="http://schemas.microsoft.com/office/2006/metadata/contentType" xmlns:ma="http://schemas.microsoft.com/office/2006/metadata/properties/metaAttributes" ct:_="" ma:_="" ma:contentTypeName="Document" ma:contentTypeID="0x01010079F111ED35F8CC479449609E8A0923A6" ma:contentTypeVersion="18" ma:contentTypeDescription="Create a new document." ma:contentTypeScope="" ma:versionID="22a266b9fa9a230c5a512669d8b298c3">
   <xsd:schema xmlns:xsd="http://www.w3.org/2001/XMLSchema" xmlns:xs="http://www.w3.org/2001/XMLSchema" xmlns:p="http://schemas.microsoft.com/office/2006/metadata/properties" xmlns:ns1="http://schemas.microsoft.com/sharepoint/v3" xmlns:ns2="71af3243-3dd4-4a8d-8c0d-dd76da1f02a5" xmlns:ns3="16c05727-aa75-4e4a-9b5f-8a80a1165891" xmlns:ns4="230e9df3-be65-4c73-a93b-d1236ebd677e" targetNamespace="http://schemas.microsoft.com/office/2006/metadata/properties" ma:root="true" ma:fieldsID="eddc33fff6b14141ee5c74a0d29ea6a1" ns1:_="" ns2:_="" ns3:_="" ns4:_="">
     <xsd:import namespace="http://schemas.microsoft.com/sharepoint/v3"/>
@@ -32790,15 +32680,6 @@
 </ct:contentTypeSchema>
 </file>
 
-<file path=customXml/item2.xml><?xml version="1.0" encoding="utf-8"?>
-<?mso-contentType ?>
-<FormTemplates xmlns="http://schemas.microsoft.com/sharepoint/v3/contenttype/forms">
-  <Display>DocumentLibraryForm</Display>
-  <Edit>DocumentLibraryForm</Edit>
-  <New>DocumentLibraryForm</New>
-</FormTemplates>
-</file>
-
 <file path=customXml/item3.xml><?xml version="1.0" encoding="utf-8"?>
 <p:properties xmlns:p="http://schemas.microsoft.com/office/2006/metadata/properties" xmlns:xsi="http://www.w3.org/2001/XMLSchema-instance" xmlns:pc="http://schemas.microsoft.com/office/infopath/2007/PartnerControls">
   <documentManagement>
@@ -32819,6 +32700,14 @@
 </file>
 
 <file path=customXml/itemProps1.xml><?xml version="1.0" encoding="utf-8"?>
+<ds:datastoreItem xmlns:ds="http://schemas.openxmlformats.org/officeDocument/2006/customXml" ds:itemID="{904751AB-E840-446F-8D49-E697067EC887}">
+  <ds:schemaRefs>
+    <ds:schemaRef ds:uri="http://schemas.microsoft.com/sharepoint/v3/contenttype/forms"/>
+  </ds:schemaRefs>
+</ds:datastoreItem>
+</file>
+
+<file path=customXml/itemProps2.xml><?xml version="1.0" encoding="utf-8"?>
 <ds:datastoreItem xmlns:ds="http://schemas.openxmlformats.org/officeDocument/2006/customXml" ds:itemID="{DE4876F9-7AE1-498D-B8FE-1E3AD703D2AF}">
   <ds:schemaRefs>
     <ds:schemaRef ds:uri="http://schemas.microsoft.com/office/2006/metadata/contentType"/>
@@ -32835,14 +32724,6 @@
     <ds:schemaRef ds:uri="http://purl.org/dc/elements/1.1/"/>
     <ds:schemaRef ds:uri="http://purl.org/dc/terms/"/>
     <ds:schemaRef ds:uri="http://schemas.microsoft.com/internal/obd"/>
-  </ds:schemaRefs>
-</ds:datastoreItem>
-</file>
-
-<file path=customXml/itemProps2.xml><?xml version="1.0" encoding="utf-8"?>
-<ds:datastoreItem xmlns:ds="http://schemas.openxmlformats.org/officeDocument/2006/customXml" ds:itemID="{904751AB-E840-446F-8D49-E697067EC887}">
-  <ds:schemaRefs>
-    <ds:schemaRef ds:uri="http://schemas.microsoft.com/sharepoint/v3/contenttype/forms"/>
   </ds:schemaRefs>
 </ds:datastoreItem>
 </file>

--- a/docs/Number Verification Microservice.pptx
+++ b/docs/Number Verification Microservice.pptx
@@ -24664,7 +24664,7 @@
               <a:t>hashedPhoneNumber</a:t>
             </a:r>
             <a:r>
-              <a:rPr lang="en-GB" sz="1800" dirty="0">
+              <a:rPr lang="en-GB" sz="1800">
                 <a:solidFill>
                   <a:srgbClr val="00B050">
                     <a:alpha val="60000"/>
@@ -24672,8 +24672,16 @@
                 </a:solidFill>
                 <a:latin typeface="Consolas" panose="020B0609020204030204" pitchFamily="49" charset="0"/>
               </a:rPr>
-              <a:t>": "abc-123-def-456"</a:t>
-            </a:r>
+              <a:t>": "a hash value"</a:t>
+            </a:r>
+            <a:endParaRPr lang="en-GB" sz="1800" dirty="0">
+              <a:solidFill>
+                <a:srgbClr val="00B050">
+                  <a:alpha val="60000"/>
+                </a:srgbClr>
+              </a:solidFill>
+              <a:latin typeface="Consolas" panose="020B0609020204030204" pitchFamily="49" charset="0"/>
+            </a:endParaRPr>
           </a:p>
           <a:p>
             <a:pPr marL="0" indent="0">

--- a/docs/Number Verification Microservice.pptx
+++ b/docs/Number Verification Microservice.pptx
@@ -24664,7 +24664,7 @@
               <a:t>hashedPhoneNumber</a:t>
             </a:r>
             <a:r>
-              <a:rPr lang="en-GB" sz="1800">
+              <a:rPr lang="en-GB" sz="1800" dirty="0">
                 <a:solidFill>
                   <a:srgbClr val="00B050">
                     <a:alpha val="60000"/>
@@ -24674,14 +24674,6 @@
               </a:rPr>
               <a:t>": "a hash value"</a:t>
             </a:r>
-            <a:endParaRPr lang="en-GB" sz="1800" dirty="0">
-              <a:solidFill>
-                <a:srgbClr val="00B050">
-                  <a:alpha val="60000"/>
-                </a:srgbClr>
-              </a:solidFill>
-              <a:latin typeface="Consolas" panose="020B0609020204030204" pitchFamily="49" charset="0"/>
-            </a:endParaRPr>
           </a:p>
           <a:p>
             <a:pPr marL="0" indent="0">

--- a/docs/Number Verification Microservice.pptx
+++ b/docs/Number Verification Microservice.pptx
@@ -5,10 +5,10 @@
     <p:sldMasterId id="2147483684" r:id="rId4"/>
   </p:sldMasterIdLst>
   <p:notesMasterIdLst>
-    <p:notesMasterId r:id="rId43"/>
+    <p:notesMasterId r:id="rId42"/>
   </p:notesMasterIdLst>
   <p:handoutMasterIdLst>
-    <p:handoutMasterId r:id="rId44"/>
+    <p:handoutMasterId r:id="rId43"/>
   </p:handoutMasterIdLst>
   <p:sldIdLst>
     <p:sldId id="257" r:id="rId5"/>
@@ -36,19 +36,18 @@
     <p:sldId id="406" r:id="rId27"/>
     <p:sldId id="424" r:id="rId28"/>
     <p:sldId id="407" r:id="rId29"/>
-    <p:sldId id="408" r:id="rId30"/>
-    <p:sldId id="425" r:id="rId31"/>
-    <p:sldId id="409" r:id="rId32"/>
-    <p:sldId id="434" r:id="rId33"/>
-    <p:sldId id="435" r:id="rId34"/>
-    <p:sldId id="432" r:id="rId35"/>
-    <p:sldId id="410" r:id="rId36"/>
-    <p:sldId id="429" r:id="rId37"/>
-    <p:sldId id="427" r:id="rId38"/>
-    <p:sldId id="272" r:id="rId39"/>
-    <p:sldId id="438" r:id="rId40"/>
-    <p:sldId id="431" r:id="rId41"/>
-    <p:sldId id="417" r:id="rId42"/>
+    <p:sldId id="425" r:id="rId30"/>
+    <p:sldId id="409" r:id="rId31"/>
+    <p:sldId id="434" r:id="rId32"/>
+    <p:sldId id="435" r:id="rId33"/>
+    <p:sldId id="432" r:id="rId34"/>
+    <p:sldId id="410" r:id="rId35"/>
+    <p:sldId id="429" r:id="rId36"/>
+    <p:sldId id="427" r:id="rId37"/>
+    <p:sldId id="272" r:id="rId38"/>
+    <p:sldId id="438" r:id="rId39"/>
+    <p:sldId id="431" r:id="rId40"/>
+    <p:sldId id="417" r:id="rId41"/>
   </p:sldIdLst>
   <p:sldSz cx="12192000" cy="6858000"/>
   <p:notesSz cx="6858000" cy="9144000"/>
@@ -7724,21 +7723,49 @@
             <a:pPr rtl="0"/>
             <a:r>
               <a:rPr lang="en-US" dirty="0"/>
-              <a:t>- Client authentication implemented via API keys or OAuth 2.0</a:t>
+              <a:t>- OpenID Connect (OIDC) implementation on top of OAuth 2.0 for CAMARA compliance</a:t>
             </a:r>
           </a:p>
           <a:p>
             <a:pPr rtl="0"/>
             <a:r>
               <a:rPr lang="en-US" dirty="0"/>
-              <a:t>- Role-based access control restricts different API operations based on permissions</a:t>
+              <a:t>- Purpose-based authorization to ensure GDPR compliance for user data access</a:t>
             </a:r>
           </a:p>
           <a:p>
             <a:pPr rtl="0"/>
             <a:r>
               <a:rPr lang="en-US" dirty="0"/>
-              <a:t>- Rate limiting prevents abuse and denial of service attacks</a:t>
+              <a:t>- Consent capture mechanism for both frontend (Authorization Code flow) and backend (CIBA flow)</a:t>
+            </a:r>
+          </a:p>
+          <a:p>
+            <a:pPr rtl="0"/>
+            <a:r>
+              <a:rPr lang="en-US" dirty="0"/>
+              <a:t>- Channel Partner integration for operator routing and token management</a:t>
+            </a:r>
+          </a:p>
+          <a:p>
+            <a:pPr rtl="0"/>
+            <a:r>
+              <a:rPr lang="en-US" dirty="0"/>
+              <a:t>- JWT validation with proper signature verification and scope checking</a:t>
+            </a:r>
+          </a:p>
+          <a:p>
+            <a:pPr rtl="0"/>
+            <a:r>
+              <a:rPr lang="en-US" dirty="0"/>
+              <a:t>- Circuit breaker pattern for authentication services to maintain availability</a:t>
+            </a:r>
+          </a:p>
+          <a:p>
+            <a:pPr rtl="0"/>
+            <a:r>
+              <a:rPr lang="en-US" dirty="0"/>
+              <a:t>- Secure token storage with proper encryption at rest</a:t>
             </a:r>
             <a:endParaRPr lang="en-GB" dirty="0"/>
           </a:p>
@@ -8313,170 +8340,6 @@
         <p:cNvPr id="1" name="">
           <a:extLst>
             <a:ext uri="{FF2B5EF4-FFF2-40B4-BE49-F238E27FC236}">
-              <a16:creationId xmlns:a16="http://schemas.microsoft.com/office/drawing/2014/main" id="{86CB9EBC-B0B4-1CF7-4A78-8E4BCC02D39E}"/>
-            </a:ext>
-          </a:extLst>
-        </p:cNvPr>
-        <p:cNvGrpSpPr/>
-        <p:nvPr/>
-      </p:nvGrpSpPr>
-      <p:grpSpPr>
-        <a:xfrm>
-          <a:off x="0" y="0"/>
-          <a:ext cx="0" cy="0"/>
-          <a:chOff x="0" y="0"/>
-          <a:chExt cx="0" cy="0"/>
-        </a:xfrm>
-      </p:grpSpPr>
-      <p:sp>
-        <p:nvSpPr>
-          <p:cNvPr id="2" name="Slide Image Placeholder 1">
-            <a:extLst>
-              <a:ext uri="{FF2B5EF4-FFF2-40B4-BE49-F238E27FC236}">
-                <a16:creationId xmlns:a16="http://schemas.microsoft.com/office/drawing/2014/main" id="{21DD1BB3-F7DA-FDFC-3B2B-4F039726DB6F}"/>
-              </a:ext>
-            </a:extLst>
-          </p:cNvPr>
-          <p:cNvSpPr>
-            <a:spLocks noGrp="1" noRot="1" noChangeAspect="1"/>
-          </p:cNvSpPr>
-          <p:nvPr>
-            <p:ph type="sldImg"/>
-          </p:nvPr>
-        </p:nvSpPr>
-        <p:spPr/>
-      </p:sp>
-      <p:sp>
-        <p:nvSpPr>
-          <p:cNvPr id="3" name="Notes Placeholder 2">
-            <a:extLst>
-              <a:ext uri="{FF2B5EF4-FFF2-40B4-BE49-F238E27FC236}">
-                <a16:creationId xmlns:a16="http://schemas.microsoft.com/office/drawing/2014/main" id="{D23A528B-DAE5-6B2B-A61A-247C60ECB387}"/>
-              </a:ext>
-            </a:extLst>
-          </p:cNvPr>
-          <p:cNvSpPr>
-            <a:spLocks noGrp="1"/>
-          </p:cNvSpPr>
-          <p:nvPr>
-            <p:ph type="body" idx="1"/>
-          </p:nvPr>
-        </p:nvSpPr>
-        <p:spPr/>
-        <p:txBody>
-          <a:bodyPr rtlCol="0"/>
-          <a:lstStyle/>
-          <a:p>
-            <a:pPr rtl="0"/>
-            <a:r>
-              <a:rPr lang="en-GB" dirty="0"/>
-              <a:t>- Structured JSON logging ensures consistent format and searchability</a:t>
-            </a:r>
-          </a:p>
-          <a:p>
-            <a:pPr rtl="0"/>
-            <a:r>
-              <a:rPr lang="en-GB" dirty="0"/>
-              <a:t>- Correlation IDs track requests across service boundaries</a:t>
-            </a:r>
-          </a:p>
-          <a:p>
-            <a:pPr rtl="0"/>
-            <a:r>
-              <a:rPr lang="en-GB" dirty="0"/>
-              <a:t>- Appropriate log levels (DEBUG, INFO, WARN, ERROR) categorize events</a:t>
-            </a:r>
-          </a:p>
-          <a:p>
-            <a:pPr rtl="0"/>
-            <a:r>
-              <a:rPr lang="en-GB" dirty="0"/>
-              <a:t>- PII redaction maintains compliance with data protection regulations</a:t>
-            </a:r>
-          </a:p>
-        </p:txBody>
-      </p:sp>
-      <p:sp>
-        <p:nvSpPr>
-          <p:cNvPr id="4" name="Slide Number Placeholder 3">
-            <a:extLst>
-              <a:ext uri="{FF2B5EF4-FFF2-40B4-BE49-F238E27FC236}">
-                <a16:creationId xmlns:a16="http://schemas.microsoft.com/office/drawing/2014/main" id="{8F67BE88-9756-4C46-2947-ECE5E3523BE1}"/>
-              </a:ext>
-            </a:extLst>
-          </p:cNvPr>
-          <p:cNvSpPr>
-            <a:spLocks noGrp="1"/>
-          </p:cNvSpPr>
-          <p:nvPr>
-            <p:ph type="sldNum" sz="quarter" idx="5"/>
-          </p:nvPr>
-        </p:nvSpPr>
-        <p:spPr/>
-        <p:txBody>
-          <a:bodyPr rtlCol="0"/>
-          <a:lstStyle/>
-          <a:p>
-            <a:pPr rtl="0"/>
-            <a:fld id="{1983A999-5E0E-42CA-8400-604AE921FF7C}" type="slidenum">
-              <a:rPr lang="en-GB" smtClean="0"/>
-              <a:t>26</a:t>
-            </a:fld>
-            <a:endParaRPr lang="en-GB"/>
-          </a:p>
-        </p:txBody>
-      </p:sp>
-      <p:sp>
-        <p:nvSpPr>
-          <p:cNvPr id="5" name="Date Placeholder 4">
-            <a:extLst>
-              <a:ext uri="{FF2B5EF4-FFF2-40B4-BE49-F238E27FC236}">
-                <a16:creationId xmlns:a16="http://schemas.microsoft.com/office/drawing/2014/main" id="{4436270F-2CD1-F5B9-6905-925D2560E364}"/>
-              </a:ext>
-            </a:extLst>
-          </p:cNvPr>
-          <p:cNvSpPr>
-            <a:spLocks noGrp="1"/>
-          </p:cNvSpPr>
-          <p:nvPr>
-            <p:ph type="dt" idx="1"/>
-          </p:nvPr>
-        </p:nvSpPr>
-        <p:spPr/>
-        <p:txBody>
-          <a:bodyPr/>
-          <a:lstStyle/>
-          <a:p>
-            <a:pPr rtl="0"/>
-            <a:fld id="{B9FA1D35-9279-4503-AA65-44459462ED41}" type="datetime1">
-              <a:rPr lang="en-GB" smtClean="0"/>
-              <a:t>15/05/2025</a:t>
-            </a:fld>
-            <a:endParaRPr lang="en-GB"/>
-          </a:p>
-        </p:txBody>
-      </p:sp>
-    </p:spTree>
-    <p:extLst>
-      <p:ext uri="{BB962C8B-B14F-4D97-AF65-F5344CB8AC3E}">
-        <p14:creationId xmlns:p14="http://schemas.microsoft.com/office/powerpoint/2010/main" val="841372638"/>
-      </p:ext>
-    </p:extLst>
-  </p:cSld>
-  <p:clrMapOvr>
-    <a:masterClrMapping/>
-  </p:clrMapOvr>
-</p:notes>
-</file>
-
-<file path=ppt/notesSlides/notesSlide27.xml><?xml version="1.0" encoding="utf-8"?>
-<p:notes xmlns:a="http://schemas.openxmlformats.org/drawingml/2006/main" xmlns:r="http://schemas.openxmlformats.org/officeDocument/2006/relationships" xmlns:p="http://schemas.openxmlformats.org/presentationml/2006/main">
-  <p:cSld>
-    <p:spTree>
-      <p:nvGrpSpPr>
-        <p:cNvPr id="1" name="">
-          <a:extLst>
-            <a:ext uri="{FF2B5EF4-FFF2-40B4-BE49-F238E27FC236}">
               <a16:creationId xmlns:a16="http://schemas.microsoft.com/office/drawing/2014/main" id="{C0E61A65-5EC4-9274-A09C-517951A3DE67}"/>
             </a:ext>
           </a:extLst>
@@ -8566,11 +8429,34 @@
             </a:r>
           </a:p>
           <a:p>
-            <a:pPr rtl="0"/>
+            <a:pPr marL="0" indent="0" rtl="0">
+              <a:buFontTx/>
+              <a:buNone/>
+            </a:pPr>
             <a:r>
               <a:rPr lang="en-US" dirty="0"/>
               <a:t>- On-call rotation and escalation policies ensure timely response</a:t>
             </a:r>
+          </a:p>
+          <a:p>
+            <a:pPr rtl="0"/>
+            <a:r>
+              <a:rPr lang="en-GB" dirty="0"/>
+              <a:t>- Structured JSON logging ensures consistent format and searchability</a:t>
+            </a:r>
+          </a:p>
+          <a:p>
+            <a:pPr rtl="0"/>
+            <a:r>
+              <a:rPr lang="en-GB" dirty="0"/>
+              <a:t>- Appropriate log levels (DEBUG, INFO, WARN, ERROR) categorize events</a:t>
+            </a:r>
+          </a:p>
+          <a:p>
+            <a:pPr marL="0" indent="0" rtl="0">
+              <a:buFontTx/>
+              <a:buNone/>
+            </a:pPr>
             <a:endParaRPr lang="en-GB" dirty="0"/>
           </a:p>
         </p:txBody>
@@ -8599,7 +8485,7 @@
             <a:pPr rtl="0"/>
             <a:fld id="{1983A999-5E0E-42CA-8400-604AE921FF7C}" type="slidenum">
               <a:rPr lang="en-GB" smtClean="0"/>
-              <a:t>27</a:t>
+              <a:t>26</a:t>
             </a:fld>
             <a:endParaRPr lang="en-GB"/>
           </a:p>
@@ -8648,7 +8534,7 @@
 </p:notes>
 </file>
 
-<file path=ppt/notesSlides/notesSlide28.xml><?xml version="1.0" encoding="utf-8"?>
+<file path=ppt/notesSlides/notesSlide27.xml><?xml version="1.0" encoding="utf-8"?>
 <p:notes xmlns:a="http://schemas.openxmlformats.org/drawingml/2006/main" xmlns:r="http://schemas.openxmlformats.org/officeDocument/2006/relationships" xmlns:p="http://schemas.openxmlformats.org/presentationml/2006/main">
   <p:cSld>
     <p:spTree>
@@ -8764,7 +8650,7 @@
             <a:pPr rtl="0"/>
             <a:fld id="{1983A999-5E0E-42CA-8400-604AE921FF7C}" type="slidenum">
               <a:rPr lang="en-GB" smtClean="0"/>
-              <a:t>28</a:t>
+              <a:t>27</a:t>
             </a:fld>
             <a:endParaRPr lang="en-GB"/>
           </a:p>
@@ -8813,7 +8699,7 @@
 </p:notes>
 </file>
 
-<file path=ppt/notesSlides/notesSlide29.xml><?xml version="1.0" encoding="utf-8"?>
+<file path=ppt/notesSlides/notesSlide28.xml><?xml version="1.0" encoding="utf-8"?>
 <p:notes xmlns:a="http://schemas.openxmlformats.org/drawingml/2006/main" xmlns:r="http://schemas.openxmlformats.org/officeDocument/2006/relationships" xmlns:p="http://schemas.openxmlformats.org/presentationml/2006/main">
   <p:cSld>
     <p:spTree>
@@ -8950,7 +8836,7 @@
             <a:pPr rtl="0"/>
             <a:fld id="{1983A999-5E0E-42CA-8400-604AE921FF7C}" type="slidenum">
               <a:rPr lang="en-GB" smtClean="0"/>
-              <a:t>29</a:t>
+              <a:t>28</a:t>
             </a:fld>
             <a:endParaRPr lang="en-GB"/>
           </a:p>
@@ -8990,6 +8876,164 @@
     <p:extLst>
       <p:ext uri="{BB962C8B-B14F-4D97-AF65-F5344CB8AC3E}">
         <p14:creationId xmlns:p14="http://schemas.microsoft.com/office/powerpoint/2010/main" val="300817235"/>
+      </p:ext>
+    </p:extLst>
+  </p:cSld>
+  <p:clrMapOvr>
+    <a:masterClrMapping/>
+  </p:clrMapOvr>
+</p:notes>
+</file>
+
+<file path=ppt/notesSlides/notesSlide29.xml><?xml version="1.0" encoding="utf-8"?>
+<p:notes xmlns:a="http://schemas.openxmlformats.org/drawingml/2006/main" xmlns:r="http://schemas.openxmlformats.org/officeDocument/2006/relationships" xmlns:p="http://schemas.openxmlformats.org/presentationml/2006/main">
+  <p:cSld>
+    <p:spTree>
+      <p:nvGrpSpPr>
+        <p:cNvPr id="1" name="">
+          <a:extLst>
+            <a:ext uri="{FF2B5EF4-FFF2-40B4-BE49-F238E27FC236}">
+              <a16:creationId xmlns:a16="http://schemas.microsoft.com/office/drawing/2014/main" id="{5F699746-1DC7-D4B6-5464-B18662638653}"/>
+            </a:ext>
+          </a:extLst>
+        </p:cNvPr>
+        <p:cNvGrpSpPr/>
+        <p:nvPr/>
+      </p:nvGrpSpPr>
+      <p:grpSpPr>
+        <a:xfrm>
+          <a:off x="0" y="0"/>
+          <a:ext cx="0" cy="0"/>
+          <a:chOff x="0" y="0"/>
+          <a:chExt cx="0" cy="0"/>
+        </a:xfrm>
+      </p:grpSpPr>
+      <p:sp>
+        <p:nvSpPr>
+          <p:cNvPr id="2" name="Slide Image Placeholder 1">
+            <a:extLst>
+              <a:ext uri="{FF2B5EF4-FFF2-40B4-BE49-F238E27FC236}">
+                <a16:creationId xmlns:a16="http://schemas.microsoft.com/office/drawing/2014/main" id="{6E8810F1-D0BD-C872-AEDF-91FE7567855A}"/>
+              </a:ext>
+            </a:extLst>
+          </p:cNvPr>
+          <p:cNvSpPr>
+            <a:spLocks noGrp="1" noRot="1" noChangeAspect="1"/>
+          </p:cNvSpPr>
+          <p:nvPr>
+            <p:ph type="sldImg"/>
+          </p:nvPr>
+        </p:nvSpPr>
+        <p:spPr/>
+      </p:sp>
+      <p:sp>
+        <p:nvSpPr>
+          <p:cNvPr id="3" name="Notes Placeholder 2">
+            <a:extLst>
+              <a:ext uri="{FF2B5EF4-FFF2-40B4-BE49-F238E27FC236}">
+                <a16:creationId xmlns:a16="http://schemas.microsoft.com/office/drawing/2014/main" id="{4B600BB1-83D2-4F47-52F1-37F73EEB232F}"/>
+              </a:ext>
+            </a:extLst>
+          </p:cNvPr>
+          <p:cNvSpPr>
+            <a:spLocks noGrp="1"/>
+          </p:cNvSpPr>
+          <p:nvPr>
+            <p:ph type="body" idx="1"/>
+          </p:nvPr>
+        </p:nvSpPr>
+        <p:spPr/>
+        <p:txBody>
+          <a:bodyPr rtlCol="0"/>
+          <a:lstStyle/>
+          <a:p>
+            <a:pPr rtl="0"/>
+            <a:r>
+              <a:rPr lang="en-US" dirty="0"/>
+              <a:t>- Response time target: &lt;200ms (p95) under normal load conditions</a:t>
+            </a:r>
+          </a:p>
+          <a:p>
+            <a:pPr rtl="0"/>
+            <a:r>
+              <a:rPr lang="en-US" dirty="0"/>
+              <a:t>- Throughput capability: 500+ requests/second during peak handling</a:t>
+            </a:r>
+          </a:p>
+          <a:p>
+            <a:pPr rtl="0"/>
+            <a:r>
+              <a:rPr lang="en-US" dirty="0"/>
+              <a:t>- Availability target: 99.9% uptime to ensure reliable service</a:t>
+            </a:r>
+            <a:endParaRPr lang="en-GB" dirty="0"/>
+          </a:p>
+        </p:txBody>
+      </p:sp>
+      <p:sp>
+        <p:nvSpPr>
+          <p:cNvPr id="4" name="Slide Number Placeholder 3">
+            <a:extLst>
+              <a:ext uri="{FF2B5EF4-FFF2-40B4-BE49-F238E27FC236}">
+                <a16:creationId xmlns:a16="http://schemas.microsoft.com/office/drawing/2014/main" id="{FF2390F3-BC4B-FF6E-B615-DDF6295C8D28}"/>
+              </a:ext>
+            </a:extLst>
+          </p:cNvPr>
+          <p:cNvSpPr>
+            <a:spLocks noGrp="1"/>
+          </p:cNvSpPr>
+          <p:nvPr>
+            <p:ph type="sldNum" sz="quarter" idx="5"/>
+          </p:nvPr>
+        </p:nvSpPr>
+        <p:spPr/>
+        <p:txBody>
+          <a:bodyPr rtlCol="0"/>
+          <a:lstStyle/>
+          <a:p>
+            <a:pPr rtl="0"/>
+            <a:fld id="{1983A999-5E0E-42CA-8400-604AE921FF7C}" type="slidenum">
+              <a:rPr lang="en-GB" smtClean="0"/>
+              <a:t>29</a:t>
+            </a:fld>
+            <a:endParaRPr lang="en-GB"/>
+          </a:p>
+        </p:txBody>
+      </p:sp>
+      <p:sp>
+        <p:nvSpPr>
+          <p:cNvPr id="5" name="Date Placeholder 4">
+            <a:extLst>
+              <a:ext uri="{FF2B5EF4-FFF2-40B4-BE49-F238E27FC236}">
+                <a16:creationId xmlns:a16="http://schemas.microsoft.com/office/drawing/2014/main" id="{585EE33A-937B-F350-6E9B-1A3127F72770}"/>
+              </a:ext>
+            </a:extLst>
+          </p:cNvPr>
+          <p:cNvSpPr>
+            <a:spLocks noGrp="1"/>
+          </p:cNvSpPr>
+          <p:nvPr>
+            <p:ph type="dt" idx="1"/>
+          </p:nvPr>
+        </p:nvSpPr>
+        <p:spPr/>
+        <p:txBody>
+          <a:bodyPr/>
+          <a:lstStyle/>
+          <a:p>
+            <a:pPr rtl="0"/>
+            <a:fld id="{B9FA1D35-9279-4503-AA65-44459462ED41}" type="datetime1">
+              <a:rPr lang="en-GB" smtClean="0"/>
+              <a:t>15/05/2025</a:t>
+            </a:fld>
+            <a:endParaRPr lang="en-GB"/>
+          </a:p>
+        </p:txBody>
+      </p:sp>
+    </p:spTree>
+    <p:extLst>
+      <p:ext uri="{BB962C8B-B14F-4D97-AF65-F5344CB8AC3E}">
+        <p14:creationId xmlns:p14="http://schemas.microsoft.com/office/powerpoint/2010/main" val="1987596720"/>
       </p:ext>
     </p:extLst>
   </p:cSld>
@@ -9172,164 +9216,6 @@
         <p:cNvPr id="1" name="">
           <a:extLst>
             <a:ext uri="{FF2B5EF4-FFF2-40B4-BE49-F238E27FC236}">
-              <a16:creationId xmlns:a16="http://schemas.microsoft.com/office/drawing/2014/main" id="{5F699746-1DC7-D4B6-5464-B18662638653}"/>
-            </a:ext>
-          </a:extLst>
-        </p:cNvPr>
-        <p:cNvGrpSpPr/>
-        <p:nvPr/>
-      </p:nvGrpSpPr>
-      <p:grpSpPr>
-        <a:xfrm>
-          <a:off x="0" y="0"/>
-          <a:ext cx="0" cy="0"/>
-          <a:chOff x="0" y="0"/>
-          <a:chExt cx="0" cy="0"/>
-        </a:xfrm>
-      </p:grpSpPr>
-      <p:sp>
-        <p:nvSpPr>
-          <p:cNvPr id="2" name="Slide Image Placeholder 1">
-            <a:extLst>
-              <a:ext uri="{FF2B5EF4-FFF2-40B4-BE49-F238E27FC236}">
-                <a16:creationId xmlns:a16="http://schemas.microsoft.com/office/drawing/2014/main" id="{6E8810F1-D0BD-C872-AEDF-91FE7567855A}"/>
-              </a:ext>
-            </a:extLst>
-          </p:cNvPr>
-          <p:cNvSpPr>
-            <a:spLocks noGrp="1" noRot="1" noChangeAspect="1"/>
-          </p:cNvSpPr>
-          <p:nvPr>
-            <p:ph type="sldImg"/>
-          </p:nvPr>
-        </p:nvSpPr>
-        <p:spPr/>
-      </p:sp>
-      <p:sp>
-        <p:nvSpPr>
-          <p:cNvPr id="3" name="Notes Placeholder 2">
-            <a:extLst>
-              <a:ext uri="{FF2B5EF4-FFF2-40B4-BE49-F238E27FC236}">
-                <a16:creationId xmlns:a16="http://schemas.microsoft.com/office/drawing/2014/main" id="{4B600BB1-83D2-4F47-52F1-37F73EEB232F}"/>
-              </a:ext>
-            </a:extLst>
-          </p:cNvPr>
-          <p:cNvSpPr>
-            <a:spLocks noGrp="1"/>
-          </p:cNvSpPr>
-          <p:nvPr>
-            <p:ph type="body" idx="1"/>
-          </p:nvPr>
-        </p:nvSpPr>
-        <p:spPr/>
-        <p:txBody>
-          <a:bodyPr rtlCol="0"/>
-          <a:lstStyle/>
-          <a:p>
-            <a:pPr rtl="0"/>
-            <a:r>
-              <a:rPr lang="en-US" dirty="0"/>
-              <a:t>- Response time target: &lt;200ms (p95) under normal load conditions</a:t>
-            </a:r>
-          </a:p>
-          <a:p>
-            <a:pPr rtl="0"/>
-            <a:r>
-              <a:rPr lang="en-US" dirty="0"/>
-              <a:t>- Throughput capability: 500+ requests/second during peak handling</a:t>
-            </a:r>
-          </a:p>
-          <a:p>
-            <a:pPr rtl="0"/>
-            <a:r>
-              <a:rPr lang="en-US" dirty="0"/>
-              <a:t>- Availability target: 99.9% uptime to ensure reliable service</a:t>
-            </a:r>
-            <a:endParaRPr lang="en-GB" dirty="0"/>
-          </a:p>
-        </p:txBody>
-      </p:sp>
-      <p:sp>
-        <p:nvSpPr>
-          <p:cNvPr id="4" name="Slide Number Placeholder 3">
-            <a:extLst>
-              <a:ext uri="{FF2B5EF4-FFF2-40B4-BE49-F238E27FC236}">
-                <a16:creationId xmlns:a16="http://schemas.microsoft.com/office/drawing/2014/main" id="{FF2390F3-BC4B-FF6E-B615-DDF6295C8D28}"/>
-              </a:ext>
-            </a:extLst>
-          </p:cNvPr>
-          <p:cNvSpPr>
-            <a:spLocks noGrp="1"/>
-          </p:cNvSpPr>
-          <p:nvPr>
-            <p:ph type="sldNum" sz="quarter" idx="5"/>
-          </p:nvPr>
-        </p:nvSpPr>
-        <p:spPr/>
-        <p:txBody>
-          <a:bodyPr rtlCol="0"/>
-          <a:lstStyle/>
-          <a:p>
-            <a:pPr rtl="0"/>
-            <a:fld id="{1983A999-5E0E-42CA-8400-604AE921FF7C}" type="slidenum">
-              <a:rPr lang="en-GB" smtClean="0"/>
-              <a:t>30</a:t>
-            </a:fld>
-            <a:endParaRPr lang="en-GB"/>
-          </a:p>
-        </p:txBody>
-      </p:sp>
-      <p:sp>
-        <p:nvSpPr>
-          <p:cNvPr id="5" name="Date Placeholder 4">
-            <a:extLst>
-              <a:ext uri="{FF2B5EF4-FFF2-40B4-BE49-F238E27FC236}">
-                <a16:creationId xmlns:a16="http://schemas.microsoft.com/office/drawing/2014/main" id="{585EE33A-937B-F350-6E9B-1A3127F72770}"/>
-              </a:ext>
-            </a:extLst>
-          </p:cNvPr>
-          <p:cNvSpPr>
-            <a:spLocks noGrp="1"/>
-          </p:cNvSpPr>
-          <p:nvPr>
-            <p:ph type="dt" idx="1"/>
-          </p:nvPr>
-        </p:nvSpPr>
-        <p:spPr/>
-        <p:txBody>
-          <a:bodyPr/>
-          <a:lstStyle/>
-          <a:p>
-            <a:pPr rtl="0"/>
-            <a:fld id="{B9FA1D35-9279-4503-AA65-44459462ED41}" type="datetime1">
-              <a:rPr lang="en-GB" smtClean="0"/>
-              <a:t>15/05/2025</a:t>
-            </a:fld>
-            <a:endParaRPr lang="en-GB"/>
-          </a:p>
-        </p:txBody>
-      </p:sp>
-    </p:spTree>
-    <p:extLst>
-      <p:ext uri="{BB962C8B-B14F-4D97-AF65-F5344CB8AC3E}">
-        <p14:creationId xmlns:p14="http://schemas.microsoft.com/office/powerpoint/2010/main" val="1987596720"/>
-      </p:ext>
-    </p:extLst>
-  </p:cSld>
-  <p:clrMapOvr>
-    <a:masterClrMapping/>
-  </p:clrMapOvr>
-</p:notes>
-</file>
-
-<file path=ppt/notesSlides/notesSlide31.xml><?xml version="1.0" encoding="utf-8"?>
-<p:notes xmlns:a="http://schemas.openxmlformats.org/drawingml/2006/main" xmlns:r="http://schemas.openxmlformats.org/officeDocument/2006/relationships" xmlns:p="http://schemas.openxmlformats.org/presentationml/2006/main">
-  <p:cSld>
-    <p:spTree>
-      <p:nvGrpSpPr>
-        <p:cNvPr id="1" name="">
-          <a:extLst>
-            <a:ext uri="{FF2B5EF4-FFF2-40B4-BE49-F238E27FC236}">
               <a16:creationId xmlns:a16="http://schemas.microsoft.com/office/drawing/2014/main" id="{F8BF95BC-1971-A2C5-BFD5-0A8B5D67044C}"/>
             </a:ext>
           </a:extLst>
@@ -9438,7 +9324,7 @@
             <a:pPr rtl="0"/>
             <a:fld id="{1983A999-5E0E-42CA-8400-604AE921FF7C}" type="slidenum">
               <a:rPr lang="en-GB" smtClean="0"/>
-              <a:t>31</a:t>
+              <a:t>30</a:t>
             </a:fld>
             <a:endParaRPr lang="en-GB"/>
           </a:p>
@@ -9487,7 +9373,7 @@
 </p:notes>
 </file>
 
-<file path=ppt/notesSlides/notesSlide32.xml><?xml version="1.0" encoding="utf-8"?>
+<file path=ppt/notesSlides/notesSlide31.xml><?xml version="1.0" encoding="utf-8"?>
 <p:notes xmlns:a="http://schemas.openxmlformats.org/drawingml/2006/main" xmlns:r="http://schemas.openxmlformats.org/officeDocument/2006/relationships" xmlns:p="http://schemas.openxmlformats.org/presentationml/2006/main">
   <p:cSld>
     <p:spTree>
@@ -9596,7 +9482,7 @@
             <a:pPr rtl="0"/>
             <a:fld id="{1983A999-5E0E-42CA-8400-604AE921FF7C}" type="slidenum">
               <a:rPr lang="en-GB" smtClean="0"/>
-              <a:t>32</a:t>
+              <a:t>31</a:t>
             </a:fld>
             <a:endParaRPr lang="en-GB"/>
           </a:p>
@@ -9645,7 +9531,7 @@
 </p:notes>
 </file>
 
-<file path=ppt/notesSlides/notesSlide33.xml><?xml version="1.0" encoding="utf-8"?>
+<file path=ppt/notesSlides/notesSlide32.xml><?xml version="1.0" encoding="utf-8"?>
 <p:notes xmlns:a="http://schemas.openxmlformats.org/drawingml/2006/main" xmlns:r="http://schemas.openxmlformats.org/officeDocument/2006/relationships" xmlns:p="http://schemas.openxmlformats.org/presentationml/2006/main">
   <p:cSld>
     <p:spTree>
@@ -9774,7 +9660,7 @@
             <a:pPr rtl="0"/>
             <a:fld id="{1983A999-5E0E-42CA-8400-604AE921FF7C}" type="slidenum">
               <a:rPr lang="en-GB" smtClean="0"/>
-              <a:t>33</a:t>
+              <a:t>32</a:t>
             </a:fld>
             <a:endParaRPr lang="en-GB"/>
           </a:p>
@@ -9823,7 +9709,7 @@
 </p:notes>
 </file>
 
-<file path=ppt/notesSlides/notesSlide34.xml><?xml version="1.0" encoding="utf-8"?>
+<file path=ppt/notesSlides/notesSlide33.xml><?xml version="1.0" encoding="utf-8"?>
 <p:notes xmlns:a="http://schemas.openxmlformats.org/drawingml/2006/main" xmlns:r="http://schemas.openxmlformats.org/officeDocument/2006/relationships" xmlns:p="http://schemas.openxmlformats.org/presentationml/2006/main">
   <p:cSld>
     <p:spTree>
@@ -9939,7 +9825,7 @@
             <a:pPr rtl="0"/>
             <a:fld id="{1983A999-5E0E-42CA-8400-604AE921FF7C}" type="slidenum">
               <a:rPr lang="en-GB" smtClean="0"/>
-              <a:t>34</a:t>
+              <a:t>33</a:t>
             </a:fld>
             <a:endParaRPr lang="en-GB"/>
           </a:p>
@@ -9988,7 +9874,7 @@
 </p:notes>
 </file>
 
-<file path=ppt/notesSlides/notesSlide35.xml><?xml version="1.0" encoding="utf-8"?>
+<file path=ppt/notesSlides/notesSlide34.xml><?xml version="1.0" encoding="utf-8"?>
 <p:notes xmlns:a="http://schemas.openxmlformats.org/drawingml/2006/main" xmlns:r="http://schemas.openxmlformats.org/officeDocument/2006/relationships" xmlns:p="http://schemas.openxmlformats.org/presentationml/2006/main">
   <p:cSld>
     <p:spTree>
@@ -10087,7 +9973,7 @@
             <a:pPr rtl="0"/>
             <a:fld id="{32DC0559-D619-4E56-BF6F-3712370C2150}" type="slidenum">
               <a:rPr lang="en-GB" smtClean="0"/>
-              <a:t>35</a:t>
+              <a:t>34</a:t>
             </a:fld>
             <a:endParaRPr lang="en-GB"/>
           </a:p>
@@ -10136,7 +10022,7 @@
 </p:notes>
 </file>
 
-<file path=ppt/notesSlides/notesSlide36.xml><?xml version="1.0" encoding="utf-8"?>
+<file path=ppt/notesSlides/notesSlide35.xml><?xml version="1.0" encoding="utf-8"?>
 <p:notes xmlns:a="http://schemas.openxmlformats.org/drawingml/2006/main" xmlns:r="http://schemas.openxmlformats.org/officeDocument/2006/relationships" xmlns:p="http://schemas.openxmlformats.org/presentationml/2006/main">
   <p:cSld>
     <p:spTree>
@@ -10259,7 +10145,7 @@
             <a:pPr rtl="0"/>
             <a:fld id="{1983A999-5E0E-42CA-8400-604AE921FF7C}" type="slidenum">
               <a:rPr lang="en-GB" smtClean="0"/>
-              <a:t>36</a:t>
+              <a:t>35</a:t>
             </a:fld>
             <a:endParaRPr lang="en-GB"/>
           </a:p>
@@ -10308,7 +10194,7 @@
 </p:notes>
 </file>
 
-<file path=ppt/notesSlides/notesSlide37.xml><?xml version="1.0" encoding="utf-8"?>
+<file path=ppt/notesSlides/notesSlide36.xml><?xml version="1.0" encoding="utf-8"?>
 <p:notes xmlns:a="http://schemas.openxmlformats.org/drawingml/2006/main" xmlns:r="http://schemas.openxmlformats.org/officeDocument/2006/relationships" xmlns:p="http://schemas.openxmlformats.org/presentationml/2006/main">
   <p:cSld>
     <p:spTree>
@@ -10399,7 +10285,7 @@
             <a:pPr rtl="0"/>
             <a:fld id="{1983A999-5E0E-42CA-8400-604AE921FF7C}" type="slidenum">
               <a:rPr lang="en-GB" smtClean="0"/>
-              <a:t>37</a:t>
+              <a:t>36</a:t>
             </a:fld>
             <a:endParaRPr lang="en-GB"/>
           </a:p>
@@ -10448,7 +10334,7 @@
 </p:notes>
 </file>
 
-<file path=ppt/notesSlides/notesSlide38.xml><?xml version="1.0" encoding="utf-8"?>
+<file path=ppt/notesSlides/notesSlide37.xml><?xml version="1.0" encoding="utf-8"?>
 <p:notes xmlns:a="http://schemas.openxmlformats.org/drawingml/2006/main" xmlns:r="http://schemas.openxmlformats.org/officeDocument/2006/relationships" xmlns:p="http://schemas.openxmlformats.org/presentationml/2006/main">
   <p:cSld>
     <p:spTree>
@@ -10539,7 +10425,7 @@
             <a:pPr rtl="0"/>
             <a:fld id="{1983A999-5E0E-42CA-8400-604AE921FF7C}" type="slidenum">
               <a:rPr lang="en-GB" smtClean="0"/>
-              <a:t>38</a:t>
+              <a:t>37</a:t>
             </a:fld>
             <a:endParaRPr lang="en-GB"/>
           </a:p>
@@ -10990,15 +10876,34 @@
             <a:pPr rtl="0"/>
             <a:r>
               <a:rPr lang="en-US" dirty="0"/>
+              <a:t>- Multi-factor authentication: Strengthens security protocols with network-verified identities rather than just SMS codes</a:t>
+            </a:r>
+          </a:p>
+          <a:p>
+            <a:pPr marL="0" marR="0" lvl="0" indent="0" algn="l" defTabSz="914400" rtl="0" eaLnBrk="1" fontAlgn="auto" latinLnBrk="0" hangingPunct="1">
+              <a:lnSpc>
+                <a:spcPct val="100000"/>
+              </a:lnSpc>
+              <a:spcBef>
+                <a:spcPts val="0"/>
+              </a:spcBef>
+              <a:spcAft>
+                <a:spcPts val="0"/>
+              </a:spcAft>
+              <a:buClrTx/>
+              <a:buSzTx/>
+              <a:buFontTx/>
+              <a:buNone/>
+              <a:tabLst/>
+              <a:defRPr/>
+            </a:pPr>
+            <a:r>
+              <a:rPr lang="en-US" dirty="0"/>
               <a:t>- Password recovery: Ensures recovery requests come from legitimate device owners, reducing account takeovers</a:t>
             </a:r>
           </a:p>
           <a:p>
             <a:pPr rtl="0"/>
-            <a:r>
-              <a:rPr lang="en-US" dirty="0"/>
-              <a:t>- Multi-factor authentication: Strengthens security protocols with network-verified identities rather than just SMS codes</a:t>
-            </a:r>
             <a:endParaRPr lang="en-GB" dirty="0"/>
           </a:p>
         </p:txBody>
@@ -26584,24 +26489,49 @@
             <a:pPr rtl="0"/>
             <a:r>
               <a:rPr lang="en-US" dirty="0"/>
-              <a:t>Client authentication via API keys or OAuth 2.0</a:t>
+              <a:t>Client authentication via API keys or OAuth 2.0 with OpenID Connect</a:t>
             </a:r>
           </a:p>
           <a:p>
             <a:pPr rtl="0"/>
             <a:r>
               <a:rPr lang="en-US" dirty="0"/>
-              <a:t>Rate limiting to prevent abuse</a:t>
-            </a:r>
-          </a:p>
-          <a:p>
+              <a:t>Role-based access control restricts API based on granted permissions</a:t>
+            </a:r>
+          </a:p>
+          <a:p>
+            <a:pPr rtl="0"/>
             <a:r>
               <a:rPr lang="en-US" dirty="0"/>
-              <a:t>Role-based access control for different API operations</a:t>
-            </a:r>
-          </a:p>
-          <a:p>
-            <a:pPr rtl="0"/>
+              <a:t>Rate limiting prevents abuse with configurable thresholds by client and endpoint</a:t>
+            </a:r>
+          </a:p>
+          <a:p>
+            <a:pPr rtl="0"/>
+            <a:r>
+              <a:rPr lang="en-US" dirty="0"/>
+              <a:t>Purpose-based authorization ensures GDPR compliance</a:t>
+            </a:r>
+          </a:p>
+          <a:p>
+            <a:r>
+              <a:rPr lang="en-US" dirty="0"/>
+              <a:t>Consent capture mechanisms support both frontend and backend flows</a:t>
+            </a:r>
+          </a:p>
+          <a:p>
+            <a:r>
+              <a:rPr lang="en-US" dirty="0"/>
+              <a:t>An external identity provider like </a:t>
+            </a:r>
+            <a:r>
+              <a:rPr lang="en-US" dirty="0" err="1"/>
+              <a:t>KeyClock</a:t>
+            </a:r>
+            <a:r>
+              <a:rPr lang="en-US" dirty="0"/>
+              <a:t> will be needed</a:t>
+            </a:r>
             <a:endParaRPr lang="en-GB" dirty="0"/>
           </a:p>
         </p:txBody>
@@ -26927,14 +26857,21 @@
             <a:pPr rtl="0"/>
             <a:r>
               <a:rPr lang="en-US" dirty="0"/>
-              <a:t>Protection against common attacks (SQL injection, XSS, CSRF)</a:t>
-            </a:r>
-          </a:p>
-          <a:p>
-            <a:pPr rtl="0"/>
+              <a:t>Protection against common attacks</a:t>
+            </a:r>
+          </a:p>
+          <a:p>
+            <a:pPr lvl="1"/>
             <a:r>
               <a:rPr lang="en-US" dirty="0"/>
-              <a:t>Regular security scanning and penetration testing</a:t>
+              <a:t>SQL injection, cross-site scripting (XSS), cross-site request forgery (CSRF)</a:t>
+            </a:r>
+          </a:p>
+          <a:p>
+            <a:pPr rtl="0"/>
+            <a:r>
+              <a:rPr lang="en-US" dirty="0"/>
+              <a:t>Regular security scanning and penetration testing (static and dynamic)</a:t>
             </a:r>
             <a:endParaRPr lang="en-GB" dirty="0"/>
           </a:p>
@@ -27128,7 +27065,7 @@
                 <a:effectLst/>
                 <a:latin typeface="ui-monospace"/>
               </a:rPr>
-              <a:t>Logging strategy, metrics </a:t>
+              <a:t>Logging </a:t>
             </a:r>
             <a:r>
               <a:rPr lang="en-US" dirty="0">
@@ -27137,7 +27074,7 @@
                 </a:solidFill>
                 <a:latin typeface="ui-monospace"/>
               </a:rPr>
-              <a:t>c</a:t>
+              <a:t>&amp;</a:t>
             </a:r>
             <a:r>
               <a:rPr lang="en-US" b="0" i="0" dirty="0">
@@ -27147,7 +27084,7 @@
                 <a:effectLst/>
                 <a:latin typeface="ui-monospace"/>
               </a:rPr>
-              <a:t>ollection</a:t>
+              <a:t> metrics</a:t>
             </a:r>
             <a:endParaRPr lang="en-GB" dirty="0"/>
           </a:p>
@@ -27207,171 +27144,6 @@
 </file>
 
 <file path=ppt/slides/slide26.xml><?xml version="1.0" encoding="utf-8"?>
-<p:sld xmlns:a="http://schemas.openxmlformats.org/drawingml/2006/main" xmlns:r="http://schemas.openxmlformats.org/officeDocument/2006/relationships" xmlns:p="http://schemas.openxmlformats.org/presentationml/2006/main">
-  <p:cSld>
-    <p:spTree>
-      <p:nvGrpSpPr>
-        <p:cNvPr id="1" name="">
-          <a:extLst>
-            <a:ext uri="{FF2B5EF4-FFF2-40B4-BE49-F238E27FC236}">
-              <a16:creationId xmlns:a16="http://schemas.microsoft.com/office/drawing/2014/main" id="{7FE6FBC6-CD74-AF32-5518-513CCF0E7E44}"/>
-            </a:ext>
-          </a:extLst>
-        </p:cNvPr>
-        <p:cNvGrpSpPr/>
-        <p:nvPr/>
-      </p:nvGrpSpPr>
-      <p:grpSpPr>
-        <a:xfrm>
-          <a:off x="0" y="0"/>
-          <a:ext cx="0" cy="0"/>
-          <a:chOff x="0" y="0"/>
-          <a:chExt cx="0" cy="0"/>
-        </a:xfrm>
-      </p:grpSpPr>
-      <p:sp>
-        <p:nvSpPr>
-          <p:cNvPr id="7" name="Title 6">
-            <a:extLst>
-              <a:ext uri="{FF2B5EF4-FFF2-40B4-BE49-F238E27FC236}">
-                <a16:creationId xmlns:a16="http://schemas.microsoft.com/office/drawing/2014/main" id="{17B742FD-E107-1AD5-6ED1-C9714610CC22}"/>
-              </a:ext>
-            </a:extLst>
-          </p:cNvPr>
-          <p:cNvSpPr>
-            <a:spLocks noGrp="1"/>
-          </p:cNvSpPr>
-          <p:nvPr>
-            <p:ph type="title"/>
-          </p:nvPr>
-        </p:nvSpPr>
-        <p:spPr>
-          <a:xfrm>
-            <a:off x="550862" y="549275"/>
-            <a:ext cx="11097551" cy="719589"/>
-          </a:xfrm>
-        </p:spPr>
-        <p:txBody>
-          <a:bodyPr rtlCol="0">
-            <a:normAutofit/>
-          </a:bodyPr>
-          <a:lstStyle/>
-          <a:p>
-            <a:pPr rtl="0"/>
-            <a:r>
-              <a:rPr lang="en-GB" b="0" i="0" dirty="0">
-                <a:solidFill>
-                  <a:srgbClr val="FAF9F5"/>
-                </a:solidFill>
-                <a:effectLst/>
-                <a:latin typeface="ui-monospace"/>
-              </a:rPr>
-              <a:t>Observability &amp; Monitoring </a:t>
-            </a:r>
-            <a:r>
-              <a:rPr lang="en-GB" sz="2800" dirty="0"/>
-              <a:t>– Logging strategy</a:t>
-            </a:r>
-            <a:endParaRPr lang="en-GB" dirty="0"/>
-          </a:p>
-        </p:txBody>
-      </p:sp>
-      <p:sp>
-        <p:nvSpPr>
-          <p:cNvPr id="10" name="Content Placeholder 9">
-            <a:extLst>
-              <a:ext uri="{FF2B5EF4-FFF2-40B4-BE49-F238E27FC236}">
-                <a16:creationId xmlns:a16="http://schemas.microsoft.com/office/drawing/2014/main" id="{7683A678-54FE-4AEF-2034-6C351477A840}"/>
-              </a:ext>
-            </a:extLst>
-          </p:cNvPr>
-          <p:cNvSpPr>
-            <a:spLocks noGrp="1"/>
-          </p:cNvSpPr>
-          <p:nvPr>
-            <p:ph sz="half" idx="2"/>
-          </p:nvPr>
-        </p:nvSpPr>
-        <p:spPr>
-          <a:xfrm>
-            <a:off x="550863" y="1475875"/>
-            <a:ext cx="11097550" cy="4467052"/>
-          </a:xfrm>
-        </p:spPr>
-        <p:txBody>
-          <a:bodyPr rtlCol="0"/>
-          <a:lstStyle/>
-          <a:p>
-            <a:pPr rtl="0"/>
-            <a:r>
-              <a:rPr lang="en-GB" dirty="0"/>
-              <a:t>Structured JSON logging</a:t>
-            </a:r>
-          </a:p>
-          <a:p>
-            <a:pPr rtl="0"/>
-            <a:r>
-              <a:rPr lang="en-GB" dirty="0"/>
-              <a:t>Correlation IDs across service boundaries</a:t>
-            </a:r>
-          </a:p>
-          <a:p>
-            <a:pPr rtl="0"/>
-            <a:r>
-              <a:rPr lang="en-GB" dirty="0"/>
-              <a:t>Log levels (DEBUG, INFO, WARN, ERROR)</a:t>
-            </a:r>
-          </a:p>
-        </p:txBody>
-      </p:sp>
-      <p:sp>
-        <p:nvSpPr>
-          <p:cNvPr id="4" name="Date Placeholder 3">
-            <a:extLst>
-              <a:ext uri="{FF2B5EF4-FFF2-40B4-BE49-F238E27FC236}">
-                <a16:creationId xmlns:a16="http://schemas.microsoft.com/office/drawing/2014/main" id="{6D9CF8AD-F09B-0792-277C-FC2C250EF985}"/>
-              </a:ext>
-            </a:extLst>
-          </p:cNvPr>
-          <p:cNvSpPr>
-            <a:spLocks noGrp="1"/>
-          </p:cNvSpPr>
-          <p:nvPr>
-            <p:ph type="dt" sz="half" idx="10"/>
-          </p:nvPr>
-        </p:nvSpPr>
-        <p:spPr>
-          <a:xfrm>
-            <a:off x="550863" y="6507212"/>
-            <a:ext cx="2628900" cy="153888"/>
-          </a:xfrm>
-        </p:spPr>
-        <p:txBody>
-          <a:bodyPr rtlCol="0"/>
-          <a:lstStyle/>
-          <a:p>
-            <a:pPr rtl="0"/>
-            <a:r>
-              <a:rPr lang="en-GB" dirty="0"/>
-              <a:t>May 15th, 2025</a:t>
-            </a:r>
-          </a:p>
-        </p:txBody>
-      </p:sp>
-    </p:spTree>
-    <p:extLst>
-      <p:ext uri="{BB962C8B-B14F-4D97-AF65-F5344CB8AC3E}">
-        <p14:creationId xmlns:p14="http://schemas.microsoft.com/office/powerpoint/2010/main" val="96245604"/>
-      </p:ext>
-    </p:extLst>
-  </p:cSld>
-  <p:clrMapOvr>
-    <a:masterClrMapping/>
-  </p:clrMapOvr>
-</p:sld>
-</file>
-
-<file path=ppt/slides/slide27.xml><?xml version="1.0" encoding="utf-8"?>
 <p:sld xmlns:a="http://schemas.openxmlformats.org/drawingml/2006/main" xmlns:r="http://schemas.openxmlformats.org/officeDocument/2006/relationships" xmlns:p="http://schemas.openxmlformats.org/presentationml/2006/main">
   <p:cSld>
     <p:spTree>
@@ -27435,7 +27207,7 @@
             </a:r>
             <a:r>
               <a:rPr lang="en-GB" sz="2800" dirty="0"/>
-              <a:t>– Metrics collection</a:t>
+              <a:t>– Logging &amp; metrics</a:t>
             </a:r>
             <a:endParaRPr lang="en-GB" dirty="0"/>
           </a:p>
@@ -27469,6 +27241,21 @@
           <a:p>
             <a:pPr rtl="0"/>
             <a:r>
+              <a:rPr lang="en-GB" dirty="0"/>
+              <a:t>JSON logging with an internal correlation ID</a:t>
+            </a:r>
+          </a:p>
+          <a:p>
+            <a:pPr rtl="0"/>
+            <a:r>
+              <a:rPr lang="en-GB" dirty="0"/>
+              <a:t>Log levels (DEBUG, INFO, WARN, ERROR)</a:t>
+            </a:r>
+            <a:endParaRPr lang="en-US" dirty="0"/>
+          </a:p>
+          <a:p>
+            <a:pPr rtl="0"/>
+            <a:r>
               <a:rPr lang="en-US" dirty="0"/>
               <a:t>Request count, latency, and error rates</a:t>
             </a:r>
@@ -27491,7 +27278,7 @@
             <a:pPr rtl="0"/>
             <a:r>
               <a:rPr lang="en-US" dirty="0"/>
-              <a:t>Grafana dashboards for visualization</a:t>
+              <a:t>Grafana dashboards for visualization metrics and Kibana for logs</a:t>
             </a:r>
           </a:p>
           <a:p>
@@ -27558,7 +27345,7 @@
 </p:sld>
 </file>
 
-<file path=ppt/slides/slide28.xml><?xml version="1.0" encoding="utf-8"?>
+<file path=ppt/slides/slide27.xml><?xml version="1.0" encoding="utf-8"?>
 <p:sld xmlns:a="http://schemas.openxmlformats.org/drawingml/2006/main" xmlns:r="http://schemas.openxmlformats.org/officeDocument/2006/relationships" xmlns:p="http://schemas.openxmlformats.org/presentationml/2006/main">
   <p:cSld>
     <p:spTree>
@@ -27745,7 +27532,7 @@
 </p:sld>
 </file>
 
-<file path=ppt/slides/slide29.xml><?xml version="1.0" encoding="utf-8"?>
+<file path=ppt/slides/slide28.xml><?xml version="1.0" encoding="utf-8"?>
 <p:sld xmlns:a="http://schemas.openxmlformats.org/drawingml/2006/main" xmlns:r="http://schemas.openxmlformats.org/officeDocument/2006/relationships" xmlns:p="http://schemas.openxmlformats.org/presentationml/2006/main">
   <p:cSld>
     <p:spTree>
@@ -27938,6 +27725,172 @@
     <p:extLst>
       <p:ext uri="{BB962C8B-B14F-4D97-AF65-F5344CB8AC3E}">
         <p14:creationId xmlns:p14="http://schemas.microsoft.com/office/powerpoint/2010/main" val="4250252545"/>
+      </p:ext>
+    </p:extLst>
+  </p:cSld>
+  <p:clrMapOvr>
+    <a:masterClrMapping/>
+  </p:clrMapOvr>
+</p:sld>
+</file>
+
+<file path=ppt/slides/slide29.xml><?xml version="1.0" encoding="utf-8"?>
+<p:sld xmlns:a="http://schemas.openxmlformats.org/drawingml/2006/main" xmlns:r="http://schemas.openxmlformats.org/officeDocument/2006/relationships" xmlns:p="http://schemas.openxmlformats.org/presentationml/2006/main">
+  <p:cSld>
+    <p:spTree>
+      <p:nvGrpSpPr>
+        <p:cNvPr id="1" name="">
+          <a:extLst>
+            <a:ext uri="{FF2B5EF4-FFF2-40B4-BE49-F238E27FC236}">
+              <a16:creationId xmlns:a16="http://schemas.microsoft.com/office/drawing/2014/main" id="{BF2AB927-3B43-CF2E-A0DA-CD830EF9465D}"/>
+            </a:ext>
+          </a:extLst>
+        </p:cNvPr>
+        <p:cNvGrpSpPr/>
+        <p:nvPr/>
+      </p:nvGrpSpPr>
+      <p:grpSpPr>
+        <a:xfrm>
+          <a:off x="0" y="0"/>
+          <a:ext cx="0" cy="0"/>
+          <a:chOff x="0" y="0"/>
+          <a:chExt cx="0" cy="0"/>
+        </a:xfrm>
+      </p:grpSpPr>
+      <p:sp>
+        <p:nvSpPr>
+          <p:cNvPr id="7" name="Title 6">
+            <a:extLst>
+              <a:ext uri="{FF2B5EF4-FFF2-40B4-BE49-F238E27FC236}">
+                <a16:creationId xmlns:a16="http://schemas.microsoft.com/office/drawing/2014/main" id="{5E2CA94B-7D9A-6592-233D-5ED76C8B090B}"/>
+              </a:ext>
+            </a:extLst>
+          </p:cNvPr>
+          <p:cNvSpPr>
+            <a:spLocks noGrp="1"/>
+          </p:cNvSpPr>
+          <p:nvPr>
+            <p:ph type="title"/>
+          </p:nvPr>
+        </p:nvSpPr>
+        <p:spPr>
+          <a:xfrm>
+            <a:off x="550862" y="549275"/>
+            <a:ext cx="11097551" cy="719589"/>
+          </a:xfrm>
+        </p:spPr>
+        <p:txBody>
+          <a:bodyPr rtlCol="0">
+            <a:normAutofit/>
+          </a:bodyPr>
+          <a:lstStyle/>
+          <a:p>
+            <a:pPr rtl="0"/>
+            <a:r>
+              <a:rPr lang="en-GB" b="0" i="0" dirty="0">
+                <a:solidFill>
+                  <a:srgbClr val="FAF9F5"/>
+                </a:solidFill>
+                <a:effectLst/>
+                <a:latin typeface="ui-monospace"/>
+              </a:rPr>
+              <a:t>Testing </a:t>
+            </a:r>
+            <a:r>
+              <a:rPr lang="en-GB" sz="2800" dirty="0"/>
+              <a:t>– Metrics</a:t>
+            </a:r>
+            <a:endParaRPr lang="en-GB" dirty="0"/>
+          </a:p>
+        </p:txBody>
+      </p:sp>
+      <p:sp>
+        <p:nvSpPr>
+          <p:cNvPr id="10" name="Content Placeholder 9">
+            <a:extLst>
+              <a:ext uri="{FF2B5EF4-FFF2-40B4-BE49-F238E27FC236}">
+                <a16:creationId xmlns:a16="http://schemas.microsoft.com/office/drawing/2014/main" id="{64DDCA33-381B-E3D8-1A3F-C9E2843E7E12}"/>
+              </a:ext>
+            </a:extLst>
+          </p:cNvPr>
+          <p:cNvSpPr>
+            <a:spLocks noGrp="1"/>
+          </p:cNvSpPr>
+          <p:nvPr>
+            <p:ph sz="half" idx="2"/>
+          </p:nvPr>
+        </p:nvSpPr>
+        <p:spPr>
+          <a:xfrm>
+            <a:off x="550863" y="1475875"/>
+            <a:ext cx="11097550" cy="4467052"/>
+          </a:xfrm>
+        </p:spPr>
+        <p:txBody>
+          <a:bodyPr rtlCol="0"/>
+          <a:lstStyle/>
+          <a:p>
+            <a:pPr rtl="0"/>
+            <a:r>
+              <a:rPr lang="en-US" dirty="0"/>
+              <a:t>Response time: &lt;200ms (p95) under normal load</a:t>
+            </a:r>
+          </a:p>
+          <a:p>
+            <a:pPr rtl="0"/>
+            <a:r>
+              <a:rPr lang="en-US" dirty="0"/>
+              <a:t>Throughput: 500+ requests/second peak handling</a:t>
+            </a:r>
+          </a:p>
+          <a:p>
+            <a:pPr rtl="0"/>
+            <a:r>
+              <a:rPr lang="en-US" dirty="0"/>
+              <a:t>Availability: 99.9% uptime target</a:t>
+            </a:r>
+            <a:endParaRPr lang="en-GB" dirty="0"/>
+          </a:p>
+        </p:txBody>
+      </p:sp>
+      <p:sp>
+        <p:nvSpPr>
+          <p:cNvPr id="4" name="Date Placeholder 3">
+            <a:extLst>
+              <a:ext uri="{FF2B5EF4-FFF2-40B4-BE49-F238E27FC236}">
+                <a16:creationId xmlns:a16="http://schemas.microsoft.com/office/drawing/2014/main" id="{DD0F5694-682D-B703-BC6D-0D7F70A95FE4}"/>
+              </a:ext>
+            </a:extLst>
+          </p:cNvPr>
+          <p:cNvSpPr>
+            <a:spLocks noGrp="1"/>
+          </p:cNvSpPr>
+          <p:nvPr>
+            <p:ph type="dt" sz="half" idx="10"/>
+          </p:nvPr>
+        </p:nvSpPr>
+        <p:spPr>
+          <a:xfrm>
+            <a:off x="550863" y="6507212"/>
+            <a:ext cx="2628900" cy="153888"/>
+          </a:xfrm>
+        </p:spPr>
+        <p:txBody>
+          <a:bodyPr rtlCol="0"/>
+          <a:lstStyle/>
+          <a:p>
+            <a:pPr rtl="0"/>
+            <a:r>
+              <a:rPr lang="en-GB" dirty="0"/>
+              <a:t>May 15th, 2025</a:t>
+            </a:r>
+          </a:p>
+        </p:txBody>
+      </p:sp>
+    </p:spTree>
+    <p:extLst>
+      <p:ext uri="{BB962C8B-B14F-4D97-AF65-F5344CB8AC3E}">
+        <p14:creationId xmlns:p14="http://schemas.microsoft.com/office/powerpoint/2010/main" val="1166181414"/>
       </p:ext>
     </p:extLst>
   </p:cSld>
@@ -28142,172 +28095,6 @@
         <p:cNvPr id="1" name="">
           <a:extLst>
             <a:ext uri="{FF2B5EF4-FFF2-40B4-BE49-F238E27FC236}">
-              <a16:creationId xmlns:a16="http://schemas.microsoft.com/office/drawing/2014/main" id="{BF2AB927-3B43-CF2E-A0DA-CD830EF9465D}"/>
-            </a:ext>
-          </a:extLst>
-        </p:cNvPr>
-        <p:cNvGrpSpPr/>
-        <p:nvPr/>
-      </p:nvGrpSpPr>
-      <p:grpSpPr>
-        <a:xfrm>
-          <a:off x="0" y="0"/>
-          <a:ext cx="0" cy="0"/>
-          <a:chOff x="0" y="0"/>
-          <a:chExt cx="0" cy="0"/>
-        </a:xfrm>
-      </p:grpSpPr>
-      <p:sp>
-        <p:nvSpPr>
-          <p:cNvPr id="7" name="Title 6">
-            <a:extLst>
-              <a:ext uri="{FF2B5EF4-FFF2-40B4-BE49-F238E27FC236}">
-                <a16:creationId xmlns:a16="http://schemas.microsoft.com/office/drawing/2014/main" id="{5E2CA94B-7D9A-6592-233D-5ED76C8B090B}"/>
-              </a:ext>
-            </a:extLst>
-          </p:cNvPr>
-          <p:cNvSpPr>
-            <a:spLocks noGrp="1"/>
-          </p:cNvSpPr>
-          <p:nvPr>
-            <p:ph type="title"/>
-          </p:nvPr>
-        </p:nvSpPr>
-        <p:spPr>
-          <a:xfrm>
-            <a:off x="550862" y="549275"/>
-            <a:ext cx="11097551" cy="719589"/>
-          </a:xfrm>
-        </p:spPr>
-        <p:txBody>
-          <a:bodyPr rtlCol="0">
-            <a:normAutofit/>
-          </a:bodyPr>
-          <a:lstStyle/>
-          <a:p>
-            <a:pPr rtl="0"/>
-            <a:r>
-              <a:rPr lang="en-GB" b="0" i="0" dirty="0">
-                <a:solidFill>
-                  <a:srgbClr val="FAF9F5"/>
-                </a:solidFill>
-                <a:effectLst/>
-                <a:latin typeface="ui-monospace"/>
-              </a:rPr>
-              <a:t>Testing </a:t>
-            </a:r>
-            <a:r>
-              <a:rPr lang="en-GB" sz="2800" dirty="0"/>
-              <a:t>– Metrics</a:t>
-            </a:r>
-            <a:endParaRPr lang="en-GB" dirty="0"/>
-          </a:p>
-        </p:txBody>
-      </p:sp>
-      <p:sp>
-        <p:nvSpPr>
-          <p:cNvPr id="10" name="Content Placeholder 9">
-            <a:extLst>
-              <a:ext uri="{FF2B5EF4-FFF2-40B4-BE49-F238E27FC236}">
-                <a16:creationId xmlns:a16="http://schemas.microsoft.com/office/drawing/2014/main" id="{64DDCA33-381B-E3D8-1A3F-C9E2843E7E12}"/>
-              </a:ext>
-            </a:extLst>
-          </p:cNvPr>
-          <p:cNvSpPr>
-            <a:spLocks noGrp="1"/>
-          </p:cNvSpPr>
-          <p:nvPr>
-            <p:ph sz="half" idx="2"/>
-          </p:nvPr>
-        </p:nvSpPr>
-        <p:spPr>
-          <a:xfrm>
-            <a:off x="550863" y="1475875"/>
-            <a:ext cx="11097550" cy="4467052"/>
-          </a:xfrm>
-        </p:spPr>
-        <p:txBody>
-          <a:bodyPr rtlCol="0"/>
-          <a:lstStyle/>
-          <a:p>
-            <a:pPr rtl="0"/>
-            <a:r>
-              <a:rPr lang="en-US" dirty="0"/>
-              <a:t>Response time: &lt;200ms (p95) under normal load</a:t>
-            </a:r>
-          </a:p>
-          <a:p>
-            <a:pPr rtl="0"/>
-            <a:r>
-              <a:rPr lang="en-US" dirty="0"/>
-              <a:t>Throughput: 500+ requests/second peak handling</a:t>
-            </a:r>
-          </a:p>
-          <a:p>
-            <a:pPr rtl="0"/>
-            <a:r>
-              <a:rPr lang="en-US" dirty="0"/>
-              <a:t>Availability: 99.9% uptime target</a:t>
-            </a:r>
-            <a:endParaRPr lang="en-GB" dirty="0"/>
-          </a:p>
-        </p:txBody>
-      </p:sp>
-      <p:sp>
-        <p:nvSpPr>
-          <p:cNvPr id="4" name="Date Placeholder 3">
-            <a:extLst>
-              <a:ext uri="{FF2B5EF4-FFF2-40B4-BE49-F238E27FC236}">
-                <a16:creationId xmlns:a16="http://schemas.microsoft.com/office/drawing/2014/main" id="{DD0F5694-682D-B703-BC6D-0D7F70A95FE4}"/>
-              </a:ext>
-            </a:extLst>
-          </p:cNvPr>
-          <p:cNvSpPr>
-            <a:spLocks noGrp="1"/>
-          </p:cNvSpPr>
-          <p:nvPr>
-            <p:ph type="dt" sz="half" idx="10"/>
-          </p:nvPr>
-        </p:nvSpPr>
-        <p:spPr>
-          <a:xfrm>
-            <a:off x="550863" y="6507212"/>
-            <a:ext cx="2628900" cy="153888"/>
-          </a:xfrm>
-        </p:spPr>
-        <p:txBody>
-          <a:bodyPr rtlCol="0"/>
-          <a:lstStyle/>
-          <a:p>
-            <a:pPr rtl="0"/>
-            <a:r>
-              <a:rPr lang="en-GB" dirty="0"/>
-              <a:t>May 15th, 2025</a:t>
-            </a:r>
-          </a:p>
-        </p:txBody>
-      </p:sp>
-    </p:spTree>
-    <p:extLst>
-      <p:ext uri="{BB962C8B-B14F-4D97-AF65-F5344CB8AC3E}">
-        <p14:creationId xmlns:p14="http://schemas.microsoft.com/office/powerpoint/2010/main" val="1166181414"/>
-      </p:ext>
-    </p:extLst>
-  </p:cSld>
-  <p:clrMapOvr>
-    <a:masterClrMapping/>
-  </p:clrMapOvr>
-</p:sld>
-</file>
-
-<file path=ppt/slides/slide31.xml><?xml version="1.0" encoding="utf-8"?>
-<p:sld xmlns:a="http://schemas.openxmlformats.org/drawingml/2006/main" xmlns:r="http://schemas.openxmlformats.org/officeDocument/2006/relationships" xmlns:p="http://schemas.openxmlformats.org/presentationml/2006/main">
-  <p:cSld>
-    <p:spTree>
-      <p:nvGrpSpPr>
-        <p:cNvPr id="1" name="">
-          <a:extLst>
-            <a:ext uri="{FF2B5EF4-FFF2-40B4-BE49-F238E27FC236}">
               <a16:creationId xmlns:a16="http://schemas.microsoft.com/office/drawing/2014/main" id="{DBA4FE1A-C88F-A1A2-AF41-9C00F313E03D}"/>
             </a:ext>
           </a:extLst>
@@ -28487,7 +28274,7 @@
 </p:sld>
 </file>
 
-<file path=ppt/slides/slide32.xml><?xml version="1.0" encoding="utf-8"?>
+<file path=ppt/slides/slide31.xml><?xml version="1.0" encoding="utf-8"?>
 <p:sld xmlns:a="http://schemas.openxmlformats.org/drawingml/2006/main" xmlns:r="http://schemas.openxmlformats.org/officeDocument/2006/relationships" xmlns:p="http://schemas.openxmlformats.org/presentationml/2006/main">
   <p:cSld>
     <p:spTree>
@@ -28647,7 +28434,7 @@
 </p:sld>
 </file>
 
-<file path=ppt/slides/slide33.xml><?xml version="1.0" encoding="utf-8"?>
+<file path=ppt/slides/slide32.xml><?xml version="1.0" encoding="utf-8"?>
 <p:sld xmlns:a="http://schemas.openxmlformats.org/drawingml/2006/main" xmlns:r="http://schemas.openxmlformats.org/officeDocument/2006/relationships" xmlns:p="http://schemas.openxmlformats.org/presentationml/2006/main">
   <p:cSld>
     <p:spTree>
@@ -28813,7 +28600,7 @@
 </p:sld>
 </file>
 
-<file path=ppt/slides/slide34.xml><?xml version="1.0" encoding="utf-8"?>
+<file path=ppt/slides/slide33.xml><?xml version="1.0" encoding="utf-8"?>
 <p:sld xmlns:a="http://schemas.openxmlformats.org/drawingml/2006/main" xmlns:r="http://schemas.openxmlformats.org/officeDocument/2006/relationships" xmlns:p="http://schemas.openxmlformats.org/presentationml/2006/main">
   <p:cSld>
     <p:spTree>
@@ -29000,7 +28787,7 @@
 </p:sld>
 </file>
 
-<file path=ppt/slides/slide35.xml><?xml version="1.0" encoding="utf-8"?>
+<file path=ppt/slides/slide34.xml><?xml version="1.0" encoding="utf-8"?>
 <p:sld xmlns:a="http://schemas.openxmlformats.org/drawingml/2006/main" xmlns:r="http://schemas.openxmlformats.org/officeDocument/2006/relationships" xmlns:p="http://schemas.openxmlformats.org/presentationml/2006/main">
   <p:cSld>
     <p:spTree>
@@ -29133,7 +28920,7 @@
 </p:sld>
 </file>
 
-<file path=ppt/slides/slide36.xml><?xml version="1.0" encoding="utf-8"?>
+<file path=ppt/slides/slide35.xml><?xml version="1.0" encoding="utf-8"?>
 <p:sld xmlns:a="http://schemas.openxmlformats.org/drawingml/2006/main" xmlns:r="http://schemas.openxmlformats.org/officeDocument/2006/relationships" xmlns:p="http://schemas.openxmlformats.org/presentationml/2006/main">
   <p:cSld>
     <p:spTree>
@@ -29613,7 +29400,7 @@
 </p:sld>
 </file>
 
-<file path=ppt/slides/slide37.xml><?xml version="1.0" encoding="utf-8"?>
+<file path=ppt/slides/slide36.xml><?xml version="1.0" encoding="utf-8"?>
 <p:sld xmlns:a="http://schemas.openxmlformats.org/drawingml/2006/main" xmlns:r="http://schemas.openxmlformats.org/officeDocument/2006/relationships" xmlns:p="http://schemas.openxmlformats.org/presentationml/2006/main">
   <p:cSld>
     <p:spTree>
@@ -29762,7 +29549,7 @@
 </p:sld>
 </file>
 
-<file path=ppt/slides/slide38.xml><?xml version="1.0" encoding="utf-8"?>
+<file path=ppt/slides/slide37.xml><?xml version="1.0" encoding="utf-8"?>
 <p:sld xmlns:a="http://schemas.openxmlformats.org/drawingml/2006/main" xmlns:r="http://schemas.openxmlformats.org/officeDocument/2006/relationships" xmlns:p="http://schemas.openxmlformats.org/presentationml/2006/main">
   <p:cSld>
     <p:spTree>
@@ -30428,28 +30215,44 @@
           <a:p>
             <a:pPr rtl="0"/>
             <a:r>
+              <a:rPr lang="en-US" b="1" dirty="0"/>
+              <a:t>Account registration: </a:t>
+            </a:r>
+            <a:r>
               <a:rPr lang="en-US" dirty="0"/>
-              <a:t>Account registration: verify phone numbers during sign-up to prevent fraud</a:t>
-            </a:r>
-          </a:p>
-          <a:p>
-            <a:pPr rtl="0"/>
+              <a:t>verify phone numbers during sign-up to prevent fraud</a:t>
+            </a:r>
+          </a:p>
+          <a:p>
+            <a:pPr rtl="0"/>
+            <a:r>
+              <a:rPr lang="en-US" b="1" dirty="0"/>
+              <a:t>Transaction authentication: </a:t>
+            </a:r>
             <a:r>
               <a:rPr lang="en-US" dirty="0"/>
-              <a:t>Transaction authentication: add security layer for high-value transactions</a:t>
-            </a:r>
-          </a:p>
-          <a:p>
-            <a:pPr rtl="0"/>
+              <a:t>add security layer for high-value transactions</a:t>
+            </a:r>
+          </a:p>
+          <a:p>
+            <a:pPr rtl="0"/>
+            <a:r>
+              <a:rPr lang="en-US" b="1" dirty="0"/>
+              <a:t>Multi-factor authentication: </a:t>
+            </a:r>
             <a:r>
               <a:rPr lang="en-US" dirty="0"/>
-              <a:t>Multi-factor authentication: strengthen security with network-verified identities</a:t>
-            </a:r>
-          </a:p>
-          <a:p>
+              <a:t>strengthen security with network-verified identities</a:t>
+            </a:r>
+          </a:p>
+          <a:p>
+            <a:r>
+              <a:rPr lang="en-US" b="1" dirty="0"/>
+              <a:t>Password recovery: </a:t>
+            </a:r>
             <a:r>
               <a:rPr lang="en-US" dirty="0"/>
-              <a:t>Password recovery: ensure recovery requests come from legitimate device owners</a:t>
+              <a:t>ensure recovery requests come from legitimate device owners</a:t>
             </a:r>
           </a:p>
           <a:p>
@@ -32732,17 +32535,17 @@
 <ds:datastoreItem xmlns:ds="http://schemas.openxmlformats.org/officeDocument/2006/customXml" ds:itemID="{50811A92-D464-4AC4-A396-BA73B10CEEAC}">
   <ds:schemaRefs>
     <ds:schemaRef ds:uri="http://schemas.openxmlformats.org/package/2006/metadata/core-properties"/>
-    <ds:schemaRef ds:uri="http://schemas.microsoft.com/office/2006/metadata/properties"/>
-    <ds:schemaRef ds:uri="http://schemas.microsoft.com/office/2006/documentManagement/types"/>
-    <ds:schemaRef ds:uri="http://purl.org/dc/dcmitype/"/>
-    <ds:schemaRef ds:uri="230e9df3-be65-4c73-a93b-d1236ebd677e"/>
-    <ds:schemaRef ds:uri="16c05727-aa75-4e4a-9b5f-8a80a1165891"/>
     <ds:schemaRef ds:uri="http://schemas.microsoft.com/office/infopath/2007/PartnerControls"/>
     <ds:schemaRef ds:uri="http://purl.org/dc/terms/"/>
+    <ds:schemaRef ds:uri="http://purl.org/dc/elements/1.1/"/>
+    <ds:schemaRef ds:uri="http://purl.org/dc/dcmitype/"/>
+    <ds:schemaRef ds:uri="http://schemas.microsoft.com/office/2006/metadata/properties"/>
+    <ds:schemaRef ds:uri="71af3243-3dd4-4a8d-8c0d-dd76da1f02a5"/>
+    <ds:schemaRef ds:uri="230e9df3-be65-4c73-a93b-d1236ebd677e"/>
+    <ds:schemaRef ds:uri="http://schemas.microsoft.com/office/2006/documentManagement/types"/>
+    <ds:schemaRef ds:uri="http://schemas.microsoft.com/sharepoint/v3"/>
+    <ds:schemaRef ds:uri="16c05727-aa75-4e4a-9b5f-8a80a1165891"/>
     <ds:schemaRef ds:uri="http://www.w3.org/XML/1998/namespace"/>
-    <ds:schemaRef ds:uri="http://purl.org/dc/elements/1.1/"/>
-    <ds:schemaRef ds:uri="71af3243-3dd4-4a8d-8c0d-dd76da1f02a5"/>
-    <ds:schemaRef ds:uri="http://schemas.microsoft.com/sharepoint/v3"/>
   </ds:schemaRefs>
 </ds:datastoreItem>
 </file>

--- a/docs/Number Verification Microservice.pptx
+++ b/docs/Number Verification Microservice.pptx
@@ -9445,7 +9445,7 @@
             <a:pPr rtl="0"/>
             <a:r>
               <a:rPr lang="en-US" dirty="0"/>
-              <a:t>- Continuous integration using GitHub actions ensures consistent quality</a:t>
+              <a:t>- Continuous integration using Git actions ensures consistent quality</a:t>
             </a:r>
           </a:p>
           <a:p>
@@ -17581,50 +17581,78 @@
           <a:p>
             <a:pPr rtl="0"/>
             <a:r>
+              <a:rPr lang="en-US" b="1" dirty="0"/>
+              <a:t>API layer: </a:t>
+            </a:r>
+            <a:r>
               <a:rPr lang="en-US" dirty="0"/>
-              <a:t>API layer: REST controllers, request handling, validation</a:t>
-            </a:r>
-          </a:p>
-          <a:p>
-            <a:pPr rtl="0"/>
+              <a:t>REST controllers, request handling, validation</a:t>
+            </a:r>
+          </a:p>
+          <a:p>
+            <a:pPr rtl="0"/>
+            <a:r>
+              <a:rPr lang="en-US" b="1" dirty="0"/>
+              <a:t>Service layer: </a:t>
+            </a:r>
             <a:r>
               <a:rPr lang="en-US" dirty="0"/>
-              <a:t>Service layer: business logic, data transformation, coordination</a:t>
-            </a:r>
-          </a:p>
-          <a:p>
-            <a:pPr rtl="0"/>
+              <a:t>business logic, data transformation, coordination</a:t>
+            </a:r>
+          </a:p>
+          <a:p>
+            <a:pPr rtl="0"/>
+            <a:r>
+              <a:rPr lang="en-US" b="1" dirty="0"/>
+              <a:t>Integration layer: </a:t>
+            </a:r>
             <a:r>
               <a:rPr lang="en-US" dirty="0"/>
-              <a:t>Integration layer: telecom API communication, resilience</a:t>
-            </a:r>
-          </a:p>
-          <a:p>
-            <a:pPr rtl="0"/>
+              <a:t>telecom API communication, resilience</a:t>
+            </a:r>
+          </a:p>
+          <a:p>
+            <a:pPr rtl="0"/>
+            <a:r>
+              <a:rPr lang="en-US" b="1" dirty="0"/>
+              <a:t>Persistence layer: </a:t>
+            </a:r>
             <a:r>
               <a:rPr lang="en-US" dirty="0"/>
-              <a:t>Persistence layer: logging, audit trails, data access</a:t>
-            </a:r>
-          </a:p>
-          <a:p>
-            <a:pPr rtl="0"/>
+              <a:t>logging, audit trails, data access</a:t>
+            </a:r>
+          </a:p>
+          <a:p>
+            <a:pPr rtl="0"/>
+            <a:r>
+              <a:rPr lang="en-US" b="1" dirty="0"/>
+              <a:t>Configuration layer: </a:t>
+            </a:r>
             <a:r>
               <a:rPr lang="en-US" dirty="0"/>
-              <a:t>Configuration layer: properties, environment settings</a:t>
-            </a:r>
-          </a:p>
-          <a:p>
-            <a:pPr rtl="0"/>
+              <a:t>properties, environment settings</a:t>
+            </a:r>
+          </a:p>
+          <a:p>
+            <a:pPr rtl="0"/>
+            <a:r>
+              <a:rPr lang="en-US" b="1" dirty="0"/>
+              <a:t>Security layer: </a:t>
+            </a:r>
             <a:r>
               <a:rPr lang="en-US" dirty="0"/>
-              <a:t>Security layer: authentication, authorization, rate limiting</a:t>
-            </a:r>
-          </a:p>
-          <a:p>
-            <a:pPr rtl="0"/>
+              <a:t>authentication, authorization, rate limiting</a:t>
+            </a:r>
+          </a:p>
+          <a:p>
+            <a:pPr rtl="0"/>
+            <a:r>
+              <a:rPr lang="en-US" b="1" dirty="0"/>
+              <a:t>Cross-cutting concerns layer: </a:t>
+            </a:r>
             <a:r>
               <a:rPr lang="en-US" dirty="0"/>
-              <a:t>Cross-cutting concerns layer: logging, metrics, common utilities</a:t>
+              <a:t>logging, metrics, common utilities</a:t>
             </a:r>
             <a:endParaRPr lang="en-GB" dirty="0"/>
           </a:p>
@@ -23411,43 +23439,67 @@
           <a:p>
             <a:pPr rtl="0"/>
             <a:r>
+              <a:rPr lang="en-GB" b="1" dirty="0"/>
+              <a:t>Language: </a:t>
+            </a:r>
+            <a:r>
               <a:rPr lang="en-GB" dirty="0"/>
-              <a:t>Language: Java 17</a:t>
-            </a:r>
-          </a:p>
-          <a:p>
-            <a:pPr rtl="0"/>
+              <a:t>Java 17</a:t>
+            </a:r>
+          </a:p>
+          <a:p>
+            <a:pPr rtl="0"/>
+            <a:r>
+              <a:rPr lang="en-GB" b="1" dirty="0"/>
+              <a:t>Framework: </a:t>
+            </a:r>
             <a:r>
               <a:rPr lang="en-GB" dirty="0"/>
-              <a:t>Framework: Spring Boot 3.2</a:t>
-            </a:r>
-          </a:p>
-          <a:p>
-            <a:pPr rtl="0"/>
+              <a:t>Spring Boot 3.2</a:t>
+            </a:r>
+          </a:p>
+          <a:p>
+            <a:pPr rtl="0"/>
+            <a:r>
+              <a:rPr lang="en-GB" b="1" dirty="0"/>
+              <a:t>API Documentation: </a:t>
+            </a:r>
             <a:r>
               <a:rPr lang="en-GB" dirty="0"/>
-              <a:t>API Documentation: OpenAPI 3.0</a:t>
-            </a:r>
-          </a:p>
-          <a:p>
-            <a:pPr rtl="0"/>
+              <a:t>OpenAPI 3.0</a:t>
+            </a:r>
+          </a:p>
+          <a:p>
+            <a:pPr rtl="0"/>
+            <a:r>
+              <a:rPr lang="en-GB" b="1" dirty="0"/>
+              <a:t>Build Tool: </a:t>
+            </a:r>
             <a:r>
               <a:rPr lang="en-GB" dirty="0"/>
-              <a:t>Build Tool: Gradle 8.x </a:t>
-            </a:r>
-          </a:p>
-          <a:p>
-            <a:pPr rtl="0"/>
+              <a:t>Gradle 8.x </a:t>
+            </a:r>
+          </a:p>
+          <a:p>
+            <a:pPr rtl="0"/>
+            <a:r>
+              <a:rPr lang="en-GB" b="1" dirty="0"/>
+              <a:t>Container: </a:t>
+            </a:r>
             <a:r>
               <a:rPr lang="en-GB" dirty="0"/>
-              <a:t>Container: Docker</a:t>
-            </a:r>
-          </a:p>
-          <a:p>
-            <a:pPr rtl="0"/>
+              <a:t>Docker</a:t>
+            </a:r>
+          </a:p>
+          <a:p>
+            <a:pPr rtl="0"/>
+            <a:r>
+              <a:rPr lang="en-GB" b="1" dirty="0"/>
+              <a:t>Testing Framework: </a:t>
+            </a:r>
             <a:r>
               <a:rPr lang="en-GB" dirty="0"/>
-              <a:t>Testing Framework: JUnit 5 + Mockito + JMeter 5.6</a:t>
+              <a:t>JUnit 5 + Mockito + JMeter 5.6</a:t>
             </a:r>
           </a:p>
         </p:txBody>
@@ -23856,28 +23908,40 @@
           <a:p>
             <a:pPr rtl="0"/>
             <a:r>
+              <a:rPr lang="en-GB" b="1" dirty="0"/>
+              <a:t>Database: </a:t>
+            </a:r>
+            <a:r>
               <a:rPr lang="en-GB" dirty="0"/>
-              <a:t>Database: MongoDB 6.0 (log repository)</a:t>
-            </a:r>
-          </a:p>
-          <a:p>
-            <a:pPr rtl="0"/>
+              <a:t>MongoDB 6.0 (log repository)</a:t>
+            </a:r>
+          </a:p>
+          <a:p>
+            <a:pPr rtl="0"/>
+            <a:r>
+              <a:rPr lang="en-GB" b="1" dirty="0"/>
+              <a:t>Cache: </a:t>
+            </a:r>
             <a:r>
               <a:rPr lang="en-GB" dirty="0"/>
-              <a:t>Cache: Redis 7.0 (rate limiting filter, caching in service layer)</a:t>
-            </a:r>
-          </a:p>
-          <a:p>
-            <a:pPr rtl="0"/>
+              <a:t>Redis 7.0 (rate limiting filter, caching in service layer)</a:t>
+            </a:r>
+          </a:p>
+          <a:p>
+            <a:pPr rtl="0"/>
+            <a:r>
+              <a:rPr lang="en-GB" b="1" dirty="0"/>
+              <a:t>Authentication: </a:t>
+            </a:r>
             <a:r>
               <a:rPr lang="en-GB" dirty="0"/>
-              <a:t>Authentication: OAuth 2.0 / JWT (authentication filter, token validation)</a:t>
-            </a:r>
-          </a:p>
-          <a:p>
-            <a:pPr rtl="0"/>
-            <a:r>
-              <a:rPr lang="en-GB" dirty="0"/>
+              <a:t>OAuth 2.0 / JWT (authentication filter, token validation)</a:t>
+            </a:r>
+          </a:p>
+          <a:p>
+            <a:pPr rtl="0"/>
+            <a:r>
+              <a:rPr lang="en-GB" b="1" dirty="0"/>
               <a:t>Metrics: </a:t>
             </a:r>
             <a:r>
@@ -23892,7 +23956,7 @@
           <a:p>
             <a:pPr rtl="0"/>
             <a:r>
-              <a:rPr lang="en-GB" dirty="0"/>
+              <a:rPr lang="en-GB" b="1" dirty="0"/>
               <a:t>Logging: </a:t>
             </a:r>
             <a:r>
@@ -23907,22 +23971,34 @@
           <a:p>
             <a:pPr rtl="0"/>
             <a:r>
+              <a:rPr lang="en-GB" b="1" dirty="0"/>
+              <a:t>Monitoring: </a:t>
+            </a:r>
+            <a:r>
               <a:rPr lang="en-GB" dirty="0"/>
-              <a:t>Monitoring: Grafana (dashboard, alerting)</a:t>
-            </a:r>
-          </a:p>
-          <a:p>
-            <a:pPr rtl="0"/>
+              <a:t>Grafana (dashboard, alerting)</a:t>
+            </a:r>
+          </a:p>
+          <a:p>
+            <a:pPr rtl="0"/>
+            <a:r>
+              <a:rPr lang="en-GB" b="1" dirty="0"/>
+              <a:t>Security: </a:t>
+            </a:r>
             <a:r>
               <a:rPr lang="en-GB" dirty="0"/>
-              <a:t>Security: Spring Security 6.x (security filter chain)</a:t>
-            </a:r>
-          </a:p>
-          <a:p>
-            <a:pPr rtl="0"/>
+              <a:t>Spring Security 6.x (security filter chain)</a:t>
+            </a:r>
+          </a:p>
+          <a:p>
+            <a:pPr rtl="0"/>
+            <a:r>
+              <a:rPr lang="en-GB" b="1" dirty="0"/>
+              <a:t>Rate Limiting: </a:t>
+            </a:r>
             <a:r>
               <a:rPr lang="en-GB" dirty="0"/>
-              <a:t>Rate Limiting: Bucket4j (rate limiting filter)</a:t>
+              <a:t>Bucket4j (rate limiting filter)</a:t>
             </a:r>
           </a:p>
         </p:txBody>
@@ -26138,26 +26214,42 @@
           <a:lstStyle/>
           <a:p>
             <a:r>
+              <a:rPr lang="en-US" b="1" dirty="0"/>
+              <a:t>Adapter pattern: </a:t>
+            </a:r>
+            <a:r>
               <a:rPr lang="en-US" dirty="0"/>
-              <a:t>Adapter pattern: standardized interface supporting multiple telecom providers</a:t>
-            </a:r>
-          </a:p>
-          <a:p>
+              <a:t>standardized interface supporting multiple telecom providers</a:t>
+            </a:r>
+          </a:p>
+          <a:p>
+            <a:r>
+              <a:rPr lang="en-US" b="1" dirty="0"/>
+              <a:t>Failover strategy: </a:t>
+            </a:r>
             <a:r>
               <a:rPr lang="en-US" dirty="0"/>
-              <a:t>Failover strategy: primary/secondary provider configuration</a:t>
-            </a:r>
-          </a:p>
-          <a:p>
+              <a:t>primary/secondary provider configuration</a:t>
+            </a:r>
+          </a:p>
+          <a:p>
+            <a:r>
+              <a:rPr lang="en-US" b="1" dirty="0"/>
+              <a:t>Circuit breaker: </a:t>
+            </a:r>
             <a:r>
               <a:rPr lang="en-US" dirty="0"/>
-              <a:t>Circuit breaker: prevents cascading failures during provider outages</a:t>
-            </a:r>
-          </a:p>
-          <a:p>
+              <a:t>prevents cascading failures during provider outages</a:t>
+            </a:r>
+          </a:p>
+          <a:p>
+            <a:r>
+              <a:rPr lang="en-US" b="1" dirty="0"/>
+              <a:t>Retry policy: </a:t>
+            </a:r>
             <a:r>
               <a:rPr lang="en-US" dirty="0"/>
-              <a:t>Retry policy: configurable exponential backoff for transient failures</a:t>
+              <a:t>configurable exponential backoff for transient failures</a:t>
             </a:r>
           </a:p>
         </p:txBody>
@@ -27832,22 +27924,34 @@
           <a:p>
             <a:pPr rtl="0"/>
             <a:r>
+              <a:rPr lang="en-US" b="1" dirty="0"/>
+              <a:t>Response time: </a:t>
+            </a:r>
+            <a:r>
               <a:rPr lang="en-US" dirty="0"/>
-              <a:t>Response time: &lt;200ms (p95) under normal load</a:t>
-            </a:r>
-          </a:p>
-          <a:p>
-            <a:pPr rtl="0"/>
+              <a:t>&lt;200ms (p95) under normal load</a:t>
+            </a:r>
+          </a:p>
+          <a:p>
+            <a:pPr rtl="0"/>
+            <a:r>
+              <a:rPr lang="en-US" b="1" dirty="0"/>
+              <a:t>Throughput: </a:t>
+            </a:r>
             <a:r>
               <a:rPr lang="en-US" dirty="0"/>
-              <a:t>Throughput: 500+ requests/second peak handling</a:t>
-            </a:r>
-          </a:p>
-          <a:p>
-            <a:pPr rtl="0"/>
+              <a:t>500+ requests/second peak handling</a:t>
+            </a:r>
+          </a:p>
+          <a:p>
+            <a:pPr rtl="0"/>
+            <a:r>
+              <a:rPr lang="en-US" b="1" dirty="0"/>
+              <a:t>Availability: </a:t>
+            </a:r>
             <a:r>
               <a:rPr lang="en-US" dirty="0"/>
-              <a:t>Availability: 99.9% uptime target</a:t>
+              <a:t>99.9% uptime target</a:t>
             </a:r>
             <a:endParaRPr lang="en-GB" dirty="0"/>
           </a:p>
@@ -28374,7 +28478,7 @@
             <a:pPr rtl="0"/>
             <a:r>
               <a:rPr lang="en-US" dirty="0"/>
-              <a:t>Continuous integration with GitHub actions</a:t>
+              <a:t>Continuous integration with Git actions</a:t>
             </a:r>
           </a:p>
           <a:p>
@@ -28534,13 +28638,6 @@
             <a:pPr rtl="0"/>
             <a:r>
               <a:rPr lang="en-US" dirty="0"/>
-              <a:t>Kubernetes for orchestration (future scaling)</a:t>
-            </a:r>
-          </a:p>
-          <a:p>
-            <a:pPr rtl="0"/>
-            <a:r>
-              <a:rPr lang="en-US" dirty="0"/>
               <a:t>Terraform for infrastructure provisioning</a:t>
             </a:r>
           </a:p>
@@ -28550,6 +28647,18 @@
               <a:rPr lang="en-US" dirty="0"/>
               <a:t>Horizontal scaling capabilities</a:t>
             </a:r>
+          </a:p>
+          <a:p>
+            <a:r>
+              <a:rPr lang="en-US" dirty="0"/>
+              <a:t>Kubernetes for orchestration (future scaling)</a:t>
+            </a:r>
+          </a:p>
+          <a:p>
+            <a:pPr marL="0" indent="0" rtl="0">
+              <a:buNone/>
+            </a:pPr>
+            <a:endParaRPr lang="en-US" dirty="0"/>
           </a:p>
         </p:txBody>
       </p:sp>
@@ -30048,29 +30157,45 @@
           <a:p>
             <a:pPr rtl="0"/>
             <a:r>
+              <a:rPr lang="en-US" b="1" dirty="0"/>
+              <a:t>Reduced Fraud: </a:t>
+            </a:r>
+            <a:r>
               <a:rPr lang="en-US" dirty="0"/>
-              <a:t>Reduced Fraud: 60% decrease in account takeovers</a:t>
-            </a:r>
-          </a:p>
-          <a:p>
-            <a:pPr rtl="0"/>
+              <a:t>60% decrease in account takeovers</a:t>
+            </a:r>
+          </a:p>
+          <a:p>
+            <a:pPr rtl="0"/>
+            <a:r>
+              <a:rPr lang="en-US" b="1" dirty="0"/>
+              <a:t>Improved UX: </a:t>
+            </a:r>
             <a:r>
               <a:rPr lang="en-US" dirty="0"/>
-              <a:t>Improved UX: 45% faster authentication vs. traditional SMS OTP</a:t>
-            </a:r>
-          </a:p>
-          <a:p>
-            <a:pPr rtl="0"/>
+              <a:t>45% faster authentication vs. traditional SMS OTP</a:t>
+            </a:r>
+          </a:p>
+          <a:p>
+            <a:pPr rtl="0"/>
+            <a:r>
+              <a:rPr lang="en-US" b="1" dirty="0"/>
+              <a:t>Cost efficiency: </a:t>
+            </a:r>
             <a:r>
               <a:rPr lang="en-US" dirty="0"/>
-              <a:t>Cost efficiency: 30% reduction in SMS verification costs</a:t>
-            </a:r>
-          </a:p>
-          <a:p>
-            <a:pPr rtl="0"/>
+              <a:t>30% reduction in SMS verification costs</a:t>
+            </a:r>
+          </a:p>
+          <a:p>
+            <a:pPr rtl="0"/>
+            <a:r>
+              <a:rPr lang="en-US" b="1" dirty="0"/>
+              <a:t>Regulatory compliance: </a:t>
+            </a:r>
             <a:r>
               <a:rPr lang="en-US" dirty="0"/>
-              <a:t>Regulatory compliance: meets KYC requirements for financial services</a:t>
+              <a:t>meets KYC requirements for financial services</a:t>
             </a:r>
             <a:endParaRPr lang="en-GB" dirty="0"/>
           </a:p>
@@ -32199,15 +32324,6 @@
 </file>
 
 <file path=customXml/item1.xml><?xml version="1.0" encoding="utf-8"?>
-<?mso-contentType ?>
-<FormTemplates xmlns="http://schemas.microsoft.com/sharepoint/v3/contenttype/forms">
-  <Display>DocumentLibraryForm</Display>
-  <Edit>DocumentLibraryForm</Edit>
-  <New>DocumentLibraryForm</New>
-</FormTemplates>
-</file>
-
-<file path=customXml/item2.xml><?xml version="1.0" encoding="utf-8"?>
 <ct:contentTypeSchema xmlns:ct="http://schemas.microsoft.com/office/2006/metadata/contentType" xmlns:ma="http://schemas.microsoft.com/office/2006/metadata/properties/metaAttributes" ct:_="" ma:_="" ma:contentTypeName="Document" ma:contentTypeID="0x01010079F111ED35F8CC479449609E8A0923A6" ma:contentTypeVersion="18" ma:contentTypeDescription="Create a new document." ma:contentTypeScope="" ma:versionID="22a266b9fa9a230c5a512669d8b298c3">
   <xsd:schema xmlns:xsd="http://www.w3.org/2001/XMLSchema" xmlns:xs="http://www.w3.org/2001/XMLSchema" xmlns:p="http://schemas.microsoft.com/office/2006/metadata/properties" xmlns:ns1="http://schemas.microsoft.com/sharepoint/v3" xmlns:ns2="71af3243-3dd4-4a8d-8c0d-dd76da1f02a5" xmlns:ns3="16c05727-aa75-4e4a-9b5f-8a80a1165891" xmlns:ns4="230e9df3-be65-4c73-a93b-d1236ebd677e" targetNamespace="http://schemas.microsoft.com/office/2006/metadata/properties" ma:root="true" ma:fieldsID="eddc33fff6b14141ee5c74a0d29ea6a1" ns1:_="" ns2:_="" ns3:_="" ns4:_="">
     <xsd:import namespace="http://schemas.microsoft.com/sharepoint/v3"/>
@@ -32483,6 +32599,15 @@
 </ct:contentTypeSchema>
 </file>
 
+<file path=customXml/item2.xml><?xml version="1.0" encoding="utf-8"?>
+<?mso-contentType ?>
+<FormTemplates xmlns="http://schemas.microsoft.com/sharepoint/v3/contenttype/forms">
+  <Display>DocumentLibraryForm</Display>
+  <Edit>DocumentLibraryForm</Edit>
+  <New>DocumentLibraryForm</New>
+</FormTemplates>
+</file>
+
 <file path=customXml/item3.xml><?xml version="1.0" encoding="utf-8"?>
 <p:properties xmlns:p="http://schemas.microsoft.com/office/2006/metadata/properties" xmlns:xsi="http://www.w3.org/2001/XMLSchema-instance" xmlns:pc="http://schemas.microsoft.com/office/infopath/2007/PartnerControls">
   <documentManagement>
@@ -32503,14 +32628,6 @@
 </file>
 
 <file path=customXml/itemProps1.xml><?xml version="1.0" encoding="utf-8"?>
-<ds:datastoreItem xmlns:ds="http://schemas.openxmlformats.org/officeDocument/2006/customXml" ds:itemID="{904751AB-E840-446F-8D49-E697067EC887}">
-  <ds:schemaRefs>
-    <ds:schemaRef ds:uri="http://schemas.microsoft.com/sharepoint/v3/contenttype/forms"/>
-  </ds:schemaRefs>
-</ds:datastoreItem>
-</file>
-
-<file path=customXml/itemProps2.xml><?xml version="1.0" encoding="utf-8"?>
 <ds:datastoreItem xmlns:ds="http://schemas.openxmlformats.org/officeDocument/2006/customXml" ds:itemID="{DE4876F9-7AE1-498D-B8FE-1E3AD703D2AF}">
   <ds:schemaRefs>
     <ds:schemaRef ds:uri="http://schemas.microsoft.com/office/2006/metadata/contentType"/>
@@ -32527,6 +32644,14 @@
     <ds:schemaRef ds:uri="http://purl.org/dc/elements/1.1/"/>
     <ds:schemaRef ds:uri="http://purl.org/dc/terms/"/>
     <ds:schemaRef ds:uri="http://schemas.microsoft.com/internal/obd"/>
+  </ds:schemaRefs>
+</ds:datastoreItem>
+</file>
+
+<file path=customXml/itemProps2.xml><?xml version="1.0" encoding="utf-8"?>
+<ds:datastoreItem xmlns:ds="http://schemas.openxmlformats.org/officeDocument/2006/customXml" ds:itemID="{904751AB-E840-446F-8D49-E697067EC887}">
+  <ds:schemaRefs>
+    <ds:schemaRef ds:uri="http://schemas.microsoft.com/sharepoint/v3/contenttype/forms"/>
   </ds:schemaRefs>
 </ds:datastoreItem>
 </file>
